--- a/xlgs-python-in-excel-first-steps.pptx
+++ b/xlgs-python-in-excel-first-steps.pptx
@@ -8,7 +8,7 @@
     <p:notesMasterId r:id="rId20"/>
   </p:notesMasterIdLst>
   <p:sldIdLst>
-    <p:sldId id="257" r:id="rId2"/>
+    <p:sldId id="266" r:id="rId2"/>
     <p:sldId id="358" r:id="rId3"/>
     <p:sldId id="258" r:id="rId4"/>
     <p:sldId id="362" r:id="rId5"/>
@@ -25,7 +25,7 @@
     <p:sldId id="421" r:id="rId16"/>
     <p:sldId id="422" r:id="rId17"/>
     <p:sldId id="423" r:id="rId18"/>
-    <p:sldId id="417" r:id="rId19"/>
+    <p:sldId id="265" r:id="rId19"/>
   </p:sldIdLst>
   <p:sldSz cx="18288000" cy="10287000"/>
   <p:notesSz cx="6858000" cy="9144000"/>
@@ -36,20 +36,6 @@
       <p:bold r:id="rId22"/>
       <p:italic r:id="rId23"/>
       <p:boldItalic r:id="rId24"/>
-    </p:embeddedFont>
-    <p:embeddedFont>
-      <p:font typeface="Plus Jakarta Sans" panose="020B0604020202020204" charset="0"/>
-      <p:regular r:id="rId25"/>
-      <p:bold r:id="rId26"/>
-      <p:italic r:id="rId27"/>
-      <p:boldItalic r:id="rId28"/>
-    </p:embeddedFont>
-    <p:embeddedFont>
-      <p:font typeface="Roboto" panose="02000000000000000000" pitchFamily="2" charset="0"/>
-      <p:regular r:id="rId29"/>
-      <p:bold r:id="rId30"/>
-      <p:italic r:id="rId31"/>
-      <p:boldItalic r:id="rId32"/>
     </p:embeddedFont>
   </p:embeddedFontLst>
   <p:defaultTextStyle>
@@ -266,7 +252,7 @@
           <a:p>
             <a:fld id="{17A98A70-FA8C-4354-959C-C70678AC9BCF}" type="datetimeFigureOut">
               <a:rPr lang="en-US" smtClean="0"/>
-              <a:t>1/4/2024</a:t>
+              <a:t>1/21/2024</a:t>
             </a:fld>
             <a:endParaRPr lang="en-US"/>
           </a:p>
@@ -534,11 +520,11 @@
 </file>
 
 <file path=ppt/notesSlides/notesSlide1.xml><?xml version="1.0" encoding="utf-8"?>
-<p:notes xmlns:a="http://schemas.openxmlformats.org/drawingml/2006/main" xmlns:r="http://schemas.openxmlformats.org/officeDocument/2006/relationships" xmlns:p="http://schemas.openxmlformats.org/presentationml/2006/main" showMasterSp="0" showMasterPhAnim="0">
+<p:notes xmlns:a="http://schemas.openxmlformats.org/drawingml/2006/main" xmlns:r="http://schemas.openxmlformats.org/officeDocument/2006/relationships" xmlns:p="http://schemas.openxmlformats.org/presentationml/2006/main">
   <p:cSld>
     <p:spTree>
       <p:nvGrpSpPr>
-        <p:cNvPr id="1" name="Shape 252"/>
+        <p:cNvPr id="1" name=""/>
         <p:cNvGrpSpPr/>
         <p:nvPr/>
       </p:nvGrpSpPr>
@@ -552,84 +538,64 @@
       </p:grpSpPr>
       <p:sp>
         <p:nvSpPr>
-          <p:cNvPr id="253" name="Google Shape;253;p2:notes"/>
-          <p:cNvSpPr txBox="1">
+          <p:cNvPr id="2" name="Slide Image Placeholder 1"/>
+          <p:cNvSpPr>
+            <a:spLocks noGrp="1" noRot="1" noChangeAspect="1"/>
+          </p:cNvSpPr>
+          <p:nvPr>
+            <p:ph type="sldImg"/>
+          </p:nvPr>
+        </p:nvSpPr>
+        <p:spPr/>
+      </p:sp>
+      <p:sp>
+        <p:nvSpPr>
+          <p:cNvPr id="3" name="Notes Placeholder 2"/>
+          <p:cNvSpPr>
             <a:spLocks noGrp="1"/>
           </p:cNvSpPr>
           <p:nvPr>
             <p:ph type="body" idx="1"/>
           </p:nvPr>
         </p:nvSpPr>
-        <p:spPr>
-          <a:xfrm>
-            <a:off x="914400" y="4343400"/>
-            <a:ext cx="5029200" cy="4114800"/>
-          </a:xfrm>
-          <a:prstGeom prst="rect">
-            <a:avLst/>
-          </a:prstGeom>
-        </p:spPr>
-        <p:txBody>
-          <a:bodyPr spcFirstLastPara="1" wrap="square" lIns="91425" tIns="45700" rIns="91425" bIns="45700" anchor="t" anchorCtr="0">
-            <a:noAutofit/>
-          </a:bodyPr>
-          <a:lstStyle/>
-          <a:p>
-            <a:pPr marL="0" lvl="0" indent="0" algn="l" rtl="0">
-              <a:spcBef>
-                <a:spcPts val="0"/>
-              </a:spcBef>
-              <a:spcAft>
-                <a:spcPts val="0"/>
-              </a:spcAft>
-              <a:buNone/>
-            </a:pPr>
-            <a:endParaRPr dirty="0"/>
-          </a:p>
-        </p:txBody>
-      </p:sp>
-      <p:sp>
-        <p:nvSpPr>
-          <p:cNvPr id="254" name="Google Shape;254;p2:notes"/>
-          <p:cNvSpPr>
-            <a:spLocks noGrp="1" noRot="1" noChangeAspect="1"/>
-          </p:cNvSpPr>
-          <p:nvPr>
-            <p:ph type="sldImg" idx="2"/>
-          </p:nvPr>
-        </p:nvSpPr>
-        <p:spPr>
-          <a:xfrm>
-            <a:off x="381000" y="685800"/>
-            <a:ext cx="6096000" cy="3429000"/>
-          </a:xfrm>
-          <a:custGeom>
-            <a:avLst/>
-            <a:gdLst/>
-            <a:ahLst/>
-            <a:cxnLst/>
-            <a:rect l="l" t="t" r="r" b="b"/>
-            <a:pathLst>
-              <a:path w="120000" h="120000" extrusionOk="0">
-                <a:moveTo>
-                  <a:pt x="0" y="0"/>
-                </a:moveTo>
-                <a:lnTo>
-                  <a:pt x="120000" y="0"/>
-                </a:lnTo>
-                <a:lnTo>
-                  <a:pt x="120000" y="120000"/>
-                </a:lnTo>
-                <a:lnTo>
-                  <a:pt x="0" y="120000"/>
-                </a:lnTo>
-                <a:close/>
-              </a:path>
-            </a:pathLst>
-          </a:custGeom>
-        </p:spPr>
+        <p:spPr/>
+        <p:txBody>
+          <a:bodyPr/>
+          <a:lstStyle/>
+          <a:p>
+            <a:endParaRPr lang="en-US" dirty="0"/>
+          </a:p>
+        </p:txBody>
+      </p:sp>
+      <p:sp>
+        <p:nvSpPr>
+          <p:cNvPr id="4" name="Slide Number Placeholder 3"/>
+          <p:cNvSpPr>
+            <a:spLocks noGrp="1"/>
+          </p:cNvSpPr>
+          <p:nvPr>
+            <p:ph type="sldNum" sz="quarter" idx="5"/>
+          </p:nvPr>
+        </p:nvSpPr>
+        <p:spPr/>
+        <p:txBody>
+          <a:bodyPr/>
+          <a:lstStyle/>
+          <a:p>
+            <a:fld id="{FFB500C5-13F7-48FC-8160-C29AECF6C602}" type="slidenum">
+              <a:rPr lang="en-US" smtClean="0"/>
+              <a:t>2</a:t>
+            </a:fld>
+            <a:endParaRPr lang="en-US"/>
+          </a:p>
+        </p:txBody>
       </p:sp>
     </p:spTree>
+    <p:extLst>
+      <p:ext uri="{BB962C8B-B14F-4D97-AF65-F5344CB8AC3E}">
+        <p14:creationId xmlns:p14="http://schemas.microsoft.com/office/powerpoint/2010/main" val="1700759013"/>
+      </p:ext>
+    </p:extLst>
   </p:cSld>
   <p:clrMapOvr>
     <a:masterClrMapping/>
@@ -681,7 +647,31 @@
           <a:bodyPr/>
           <a:lstStyle/>
           <a:p>
-            <a:endParaRPr lang="en-US" dirty="0"/>
+            <a:pPr marL="228600" indent="-228600">
+              <a:buAutoNum type="arabicPeriod"/>
+            </a:pPr>
+            <a:r>
+              <a:rPr lang="en-US" dirty="0"/>
+              <a:t>False!</a:t>
+            </a:r>
+          </a:p>
+          <a:p>
+            <a:pPr marL="228600" indent="-228600">
+              <a:buAutoNum type="arabicPeriod"/>
+            </a:pPr>
+            <a:r>
+              <a:rPr lang="en-US" dirty="0"/>
+              <a:t>Function, Formula, Function</a:t>
+            </a:r>
+          </a:p>
+          <a:p>
+            <a:pPr marL="228600" indent="-228600">
+              <a:buAutoNum type="arabicPeriod"/>
+            </a:pPr>
+            <a:r>
+              <a:rPr lang="en-US" dirty="0"/>
+              <a:t>Argument</a:t>
+            </a:r>
           </a:p>
         </p:txBody>
       </p:sp>
@@ -700,9 +690,9 @@
           <a:bodyPr/>
           <a:lstStyle/>
           <a:p>
-            <a:fld id="{FFB500C5-13F7-48FC-8160-C29AECF6C602}" type="slidenum">
+            <a:fld id="{1300335D-9F13-4B80-ADC5-B0EA3E10FF6B}" type="slidenum">
               <a:rPr lang="en-US" smtClean="0"/>
-              <a:t>2</a:t>
+              <a:t>6</a:t>
             </a:fld>
             <a:endParaRPr lang="en-US"/>
           </a:p>
@@ -711,7 +701,7 @@
     </p:spTree>
     <p:extLst>
       <p:ext uri="{BB962C8B-B14F-4D97-AF65-F5344CB8AC3E}">
-        <p14:creationId xmlns:p14="http://schemas.microsoft.com/office/powerpoint/2010/main" val="1700759013"/>
+        <p14:creationId xmlns:p14="http://schemas.microsoft.com/office/powerpoint/2010/main" val="624549242"/>
       </p:ext>
     </p:extLst>
   </p:cSld>
@@ -810,7 +800,7 @@
           <a:p>
             <a:fld id="{1300335D-9F13-4B80-ADC5-B0EA3E10FF6B}" type="slidenum">
               <a:rPr lang="en-US" smtClean="0"/>
-              <a:t>6</a:t>
+              <a:t>9</a:t>
             </a:fld>
             <a:endParaRPr lang="en-US"/>
           </a:p>
@@ -819,7 +809,7 @@
     </p:spTree>
     <p:extLst>
       <p:ext uri="{BB962C8B-B14F-4D97-AF65-F5344CB8AC3E}">
-        <p14:creationId xmlns:p14="http://schemas.microsoft.com/office/powerpoint/2010/main" val="624549242"/>
+        <p14:creationId xmlns:p14="http://schemas.microsoft.com/office/powerpoint/2010/main" val="1500510141"/>
       </p:ext>
     </p:extLst>
   </p:cSld>
@@ -918,114 +908,6 @@
           <a:p>
             <a:fld id="{1300335D-9F13-4B80-ADC5-B0EA3E10FF6B}" type="slidenum">
               <a:rPr lang="en-US" smtClean="0"/>
-              <a:t>9</a:t>
-            </a:fld>
-            <a:endParaRPr lang="en-US"/>
-          </a:p>
-        </p:txBody>
-      </p:sp>
-    </p:spTree>
-    <p:extLst>
-      <p:ext uri="{BB962C8B-B14F-4D97-AF65-F5344CB8AC3E}">
-        <p14:creationId xmlns:p14="http://schemas.microsoft.com/office/powerpoint/2010/main" val="1500510141"/>
-      </p:ext>
-    </p:extLst>
-  </p:cSld>
-  <p:clrMapOvr>
-    <a:masterClrMapping/>
-  </p:clrMapOvr>
-</p:notes>
-</file>
-
-<file path=ppt/notesSlides/notesSlide5.xml><?xml version="1.0" encoding="utf-8"?>
-<p:notes xmlns:a="http://schemas.openxmlformats.org/drawingml/2006/main" xmlns:r="http://schemas.openxmlformats.org/officeDocument/2006/relationships" xmlns:p="http://schemas.openxmlformats.org/presentationml/2006/main">
-  <p:cSld>
-    <p:spTree>
-      <p:nvGrpSpPr>
-        <p:cNvPr id="1" name=""/>
-        <p:cNvGrpSpPr/>
-        <p:nvPr/>
-      </p:nvGrpSpPr>
-      <p:grpSpPr>
-        <a:xfrm>
-          <a:off x="0" y="0"/>
-          <a:ext cx="0" cy="0"/>
-          <a:chOff x="0" y="0"/>
-          <a:chExt cx="0" cy="0"/>
-        </a:xfrm>
-      </p:grpSpPr>
-      <p:sp>
-        <p:nvSpPr>
-          <p:cNvPr id="2" name="Slide Image Placeholder 1"/>
-          <p:cNvSpPr>
-            <a:spLocks noGrp="1" noRot="1" noChangeAspect="1"/>
-          </p:cNvSpPr>
-          <p:nvPr>
-            <p:ph type="sldImg"/>
-          </p:nvPr>
-        </p:nvSpPr>
-        <p:spPr/>
-      </p:sp>
-      <p:sp>
-        <p:nvSpPr>
-          <p:cNvPr id="3" name="Notes Placeholder 2"/>
-          <p:cNvSpPr>
-            <a:spLocks noGrp="1"/>
-          </p:cNvSpPr>
-          <p:nvPr>
-            <p:ph type="body" idx="1"/>
-          </p:nvPr>
-        </p:nvSpPr>
-        <p:spPr/>
-        <p:txBody>
-          <a:bodyPr/>
-          <a:lstStyle/>
-          <a:p>
-            <a:pPr marL="228600" indent="-228600">
-              <a:buAutoNum type="arabicPeriod"/>
-            </a:pPr>
-            <a:r>
-              <a:rPr lang="en-US" dirty="0"/>
-              <a:t>False!</a:t>
-            </a:r>
-          </a:p>
-          <a:p>
-            <a:pPr marL="228600" indent="-228600">
-              <a:buAutoNum type="arabicPeriod"/>
-            </a:pPr>
-            <a:r>
-              <a:rPr lang="en-US" dirty="0"/>
-              <a:t>Function, Formula, Function</a:t>
-            </a:r>
-          </a:p>
-          <a:p>
-            <a:pPr marL="228600" indent="-228600">
-              <a:buAutoNum type="arabicPeriod"/>
-            </a:pPr>
-            <a:r>
-              <a:rPr lang="en-US" dirty="0"/>
-              <a:t>Argument</a:t>
-            </a:r>
-          </a:p>
-        </p:txBody>
-      </p:sp>
-      <p:sp>
-        <p:nvSpPr>
-          <p:cNvPr id="4" name="Slide Number Placeholder 3"/>
-          <p:cNvSpPr>
-            <a:spLocks noGrp="1"/>
-          </p:cNvSpPr>
-          <p:nvPr>
-            <p:ph type="sldNum" sz="quarter" idx="5"/>
-          </p:nvPr>
-        </p:nvSpPr>
-        <p:spPr/>
-        <p:txBody>
-          <a:bodyPr/>
-          <a:lstStyle/>
-          <a:p>
-            <a:fld id="{1300335D-9F13-4B80-ADC5-B0EA3E10FF6B}" type="slidenum">
-              <a:rPr lang="en-US" smtClean="0"/>
               <a:t>12</a:t>
             </a:fld>
             <a:endParaRPr lang="en-US"/>
@@ -1045,7 +927,7 @@
 </p:notes>
 </file>
 
-<file path=ppt/notesSlides/notesSlide6.xml><?xml version="1.0" encoding="utf-8"?>
+<file path=ppt/notesSlides/notesSlide5.xml><?xml version="1.0" encoding="utf-8"?>
 <p:notes xmlns:a="http://schemas.openxmlformats.org/drawingml/2006/main" xmlns:r="http://schemas.openxmlformats.org/officeDocument/2006/relationships" xmlns:p="http://schemas.openxmlformats.org/presentationml/2006/main">
   <p:cSld>
     <p:spTree>
@@ -1177,7 +1059,7 @@
 </p:notes>
 </file>
 
-<file path=ppt/notesSlides/notesSlide7.xml><?xml version="1.0" encoding="utf-8"?>
+<file path=ppt/notesSlides/notesSlide6.xml><?xml version="1.0" encoding="utf-8"?>
 <p:notes xmlns:a="http://schemas.openxmlformats.org/drawingml/2006/main" xmlns:r="http://schemas.openxmlformats.org/officeDocument/2006/relationships" xmlns:p="http://schemas.openxmlformats.org/presentationml/2006/main">
   <p:cSld>
     <p:spTree>
@@ -1309,7 +1191,7 @@
 </p:notes>
 </file>
 
-<file path=ppt/notesSlides/notesSlide8.xml><?xml version="1.0" encoding="utf-8"?>
+<file path=ppt/notesSlides/notesSlide7.xml><?xml version="1.0" encoding="utf-8"?>
 <p:notes xmlns:a="http://schemas.openxmlformats.org/drawingml/2006/main" xmlns:r="http://schemas.openxmlformats.org/officeDocument/2006/relationships" xmlns:p="http://schemas.openxmlformats.org/presentationml/2006/main">
   <p:cSld>
     <p:spTree>
@@ -1621,7 +1503,7 @@
             <a:fld id="{1D8BD707-D9CF-40AE-B4C6-C98DA3205C09}" type="datetimeFigureOut">
               <a:rPr lang="en-US" smtClean="0"/>
               <a:pPr/>
-              <a:t>1/4/2024</a:t>
+              <a:t>1/21/2024</a:t>
             </a:fld>
             <a:endParaRPr lang="en-US"/>
           </a:p>
@@ -1786,7 +1668,7 @@
             <a:fld id="{1D8BD707-D9CF-40AE-B4C6-C98DA3205C09}" type="datetimeFigureOut">
               <a:rPr lang="en-US" smtClean="0"/>
               <a:pPr/>
-              <a:t>1/4/2024</a:t>
+              <a:t>1/21/2024</a:t>
             </a:fld>
             <a:endParaRPr lang="en-US"/>
           </a:p>
@@ -1961,7 +1843,7 @@
             <a:fld id="{1D8BD707-D9CF-40AE-B4C6-C98DA3205C09}" type="datetimeFigureOut">
               <a:rPr lang="en-US" smtClean="0"/>
               <a:pPr/>
-              <a:t>1/4/2024</a:t>
+              <a:t>1/21/2024</a:t>
             </a:fld>
             <a:endParaRPr lang="en-US"/>
           </a:p>
@@ -2011,1045 +1893,6 @@
         </p:txBody>
       </p:sp>
     </p:spTree>
-  </p:cSld>
-  <p:clrMapOvr>
-    <a:masterClrMapping/>
-  </p:clrMapOvr>
-</p:sldLayout>
-</file>
-
-<file path=ppt/slideLayouts/slideLayout12.xml><?xml version="1.0" encoding="utf-8"?>
-<p:sldLayout xmlns:a="http://schemas.openxmlformats.org/drawingml/2006/main" xmlns:r="http://schemas.openxmlformats.org/officeDocument/2006/relationships" xmlns:p="http://schemas.openxmlformats.org/presentationml/2006/main" showMasterSp="0" matchingName="Title Slide">
-  <p:cSld name="1_Title Slide">
-    <p:bg>
-      <p:bgPr>
-        <a:blipFill>
-          <a:blip r:embed="rId2">
-            <a:alphaModFix amt="92000"/>
-          </a:blip>
-          <a:stretch>
-            <a:fillRect/>
-          </a:stretch>
-        </a:blipFill>
-        <a:effectLst/>
-      </p:bgPr>
-    </p:bg>
-    <p:spTree>
-      <p:nvGrpSpPr>
-        <p:cNvPr id="1" name="Shape 120"/>
-        <p:cNvGrpSpPr/>
-        <p:nvPr/>
-      </p:nvGrpSpPr>
-      <p:grpSpPr>
-        <a:xfrm>
-          <a:off x="0" y="0"/>
-          <a:ext cx="0" cy="0"/>
-          <a:chOff x="0" y="0"/>
-          <a:chExt cx="0" cy="0"/>
-        </a:xfrm>
-      </p:grpSpPr>
-      <p:sp>
-        <p:nvSpPr>
-          <p:cNvPr id="121" name="Google Shape;121;p60"/>
-          <p:cNvSpPr txBox="1"/>
-          <p:nvPr/>
-        </p:nvSpPr>
-        <p:spPr>
-          <a:xfrm>
-            <a:off x="7046071" y="9845691"/>
-            <a:ext cx="4195862" cy="230832"/>
-          </a:xfrm>
-          <a:prstGeom prst="rect">
-            <a:avLst/>
-          </a:prstGeom>
-          <a:noFill/>
-          <a:ln>
-            <a:noFill/>
-          </a:ln>
-        </p:spPr>
-        <p:txBody>
-          <a:bodyPr spcFirstLastPara="1" wrap="square" lIns="0" tIns="0" rIns="0" bIns="0" anchor="b" anchorCtr="0">
-            <a:spAutoFit/>
-          </a:bodyPr>
-          <a:lstStyle/>
-          <a:p>
-            <a:pPr marL="0" marR="0" lvl="0" indent="0" algn="ctr" rtl="0">
-              <a:lnSpc>
-                <a:spcPct val="100000"/>
-              </a:lnSpc>
-              <a:spcBef>
-                <a:spcPts val="0"/>
-              </a:spcBef>
-              <a:spcAft>
-                <a:spcPts val="0"/>
-              </a:spcAft>
-              <a:buClr>
-                <a:srgbClr val="2AB77A"/>
-              </a:buClr>
-              <a:buSzPts val="1000"/>
-              <a:buFont typeface="Plus Jakarta Sans"/>
-              <a:buNone/>
-            </a:pPr>
-            <a:r>
-              <a:rPr lang="en-US" sz="1500" b="1" i="0" u="none" strike="noStrike" cap="none">
-                <a:solidFill>
-                  <a:srgbClr val="2AB77A"/>
-                </a:solidFill>
-                <a:latin typeface="Plus Jakarta Sans"/>
-                <a:ea typeface="Plus Jakarta Sans"/>
-                <a:cs typeface="Plus Jakarta Sans"/>
-                <a:sym typeface="Plus Jakarta Sans"/>
-              </a:rPr>
-              <a:t>Global Excel Summit 2023 – Internal Use Only</a:t>
-            </a:r>
-            <a:endParaRPr sz="2700"/>
-          </a:p>
-        </p:txBody>
-      </p:sp>
-      <p:pic>
-        <p:nvPicPr>
-          <p:cNvPr id="122" name="Google Shape;122;p60"/>
-          <p:cNvPicPr preferRelativeResize="0"/>
-          <p:nvPr/>
-        </p:nvPicPr>
-        <p:blipFill rotWithShape="1">
-          <a:blip r:embed="rId3">
-            <a:alphaModFix/>
-          </a:blip>
-          <a:srcRect/>
-          <a:stretch/>
-        </p:blipFill>
-        <p:spPr>
-          <a:xfrm>
-            <a:off x="608462" y="493388"/>
-            <a:ext cx="1986990" cy="1234898"/>
-          </a:xfrm>
-          <a:prstGeom prst="rect">
-            <a:avLst/>
-          </a:prstGeom>
-          <a:noFill/>
-          <a:ln>
-            <a:noFill/>
-          </a:ln>
-        </p:spPr>
-      </p:pic>
-      <p:sp>
-        <p:nvSpPr>
-          <p:cNvPr id="123" name="Google Shape;123;p60"/>
-          <p:cNvSpPr txBox="1">
-            <a:spLocks noGrp="1"/>
-          </p:cNvSpPr>
-          <p:nvPr>
-            <p:ph type="sldNum" idx="12"/>
-          </p:nvPr>
-        </p:nvSpPr>
-        <p:spPr>
-          <a:xfrm>
-            <a:off x="12693464" y="9349881"/>
-            <a:ext cx="412938" cy="369291"/>
-          </a:xfrm>
-          <a:prstGeom prst="rect">
-            <a:avLst/>
-          </a:prstGeom>
-          <a:noFill/>
-          <a:ln>
-            <a:noFill/>
-          </a:ln>
-        </p:spPr>
-        <p:txBody>
-          <a:bodyPr spcFirstLastPara="1" wrap="square" lIns="45700" tIns="45700" rIns="45700" bIns="45700" anchor="ctr" anchorCtr="0">
-            <a:spAutoFit/>
-          </a:bodyPr>
-          <a:lstStyle>
-            <a:lvl1pPr marL="0" lvl="0" indent="0" algn="r">
-              <a:lnSpc>
-                <a:spcPct val="100000"/>
-              </a:lnSpc>
-              <a:spcBef>
-                <a:spcPts val="0"/>
-              </a:spcBef>
-              <a:spcAft>
-                <a:spcPts val="0"/>
-              </a:spcAft>
-              <a:buClr>
-                <a:srgbClr val="000000"/>
-              </a:buClr>
-              <a:buSzPts val="1200"/>
-              <a:buFont typeface="Roboto"/>
-              <a:buNone/>
-              <a:defRPr sz="1800">
-                <a:latin typeface="Roboto"/>
-                <a:ea typeface="Roboto"/>
-                <a:cs typeface="Roboto"/>
-                <a:sym typeface="Roboto"/>
-              </a:defRPr>
-            </a:lvl1pPr>
-            <a:lvl2pPr marL="0" lvl="1" indent="0" algn="r">
-              <a:lnSpc>
-                <a:spcPct val="100000"/>
-              </a:lnSpc>
-              <a:spcBef>
-                <a:spcPts val="0"/>
-              </a:spcBef>
-              <a:spcAft>
-                <a:spcPts val="0"/>
-              </a:spcAft>
-              <a:buClr>
-                <a:srgbClr val="000000"/>
-              </a:buClr>
-              <a:buSzPts val="1200"/>
-              <a:buFont typeface="Roboto"/>
-              <a:buNone/>
-              <a:defRPr sz="1800">
-                <a:latin typeface="Roboto"/>
-                <a:ea typeface="Roboto"/>
-                <a:cs typeface="Roboto"/>
-                <a:sym typeface="Roboto"/>
-              </a:defRPr>
-            </a:lvl2pPr>
-            <a:lvl3pPr marL="0" lvl="2" indent="0" algn="r">
-              <a:lnSpc>
-                <a:spcPct val="100000"/>
-              </a:lnSpc>
-              <a:spcBef>
-                <a:spcPts val="0"/>
-              </a:spcBef>
-              <a:spcAft>
-                <a:spcPts val="0"/>
-              </a:spcAft>
-              <a:buClr>
-                <a:srgbClr val="000000"/>
-              </a:buClr>
-              <a:buSzPts val="1200"/>
-              <a:buFont typeface="Roboto"/>
-              <a:buNone/>
-              <a:defRPr sz="1800">
-                <a:latin typeface="Roboto"/>
-                <a:ea typeface="Roboto"/>
-                <a:cs typeface="Roboto"/>
-                <a:sym typeface="Roboto"/>
-              </a:defRPr>
-            </a:lvl3pPr>
-            <a:lvl4pPr marL="0" lvl="3" indent="0" algn="r">
-              <a:lnSpc>
-                <a:spcPct val="100000"/>
-              </a:lnSpc>
-              <a:spcBef>
-                <a:spcPts val="0"/>
-              </a:spcBef>
-              <a:spcAft>
-                <a:spcPts val="0"/>
-              </a:spcAft>
-              <a:buClr>
-                <a:srgbClr val="000000"/>
-              </a:buClr>
-              <a:buSzPts val="1200"/>
-              <a:buFont typeface="Roboto"/>
-              <a:buNone/>
-              <a:defRPr sz="1800">
-                <a:latin typeface="Roboto"/>
-                <a:ea typeface="Roboto"/>
-                <a:cs typeface="Roboto"/>
-                <a:sym typeface="Roboto"/>
-              </a:defRPr>
-            </a:lvl4pPr>
-            <a:lvl5pPr marL="0" lvl="4" indent="0" algn="r">
-              <a:lnSpc>
-                <a:spcPct val="100000"/>
-              </a:lnSpc>
-              <a:spcBef>
-                <a:spcPts val="0"/>
-              </a:spcBef>
-              <a:spcAft>
-                <a:spcPts val="0"/>
-              </a:spcAft>
-              <a:buClr>
-                <a:srgbClr val="000000"/>
-              </a:buClr>
-              <a:buSzPts val="1200"/>
-              <a:buFont typeface="Roboto"/>
-              <a:buNone/>
-              <a:defRPr sz="1800">
-                <a:latin typeface="Roboto"/>
-                <a:ea typeface="Roboto"/>
-                <a:cs typeface="Roboto"/>
-                <a:sym typeface="Roboto"/>
-              </a:defRPr>
-            </a:lvl5pPr>
-            <a:lvl6pPr marL="0" lvl="5" indent="0" algn="r">
-              <a:lnSpc>
-                <a:spcPct val="100000"/>
-              </a:lnSpc>
-              <a:spcBef>
-                <a:spcPts val="0"/>
-              </a:spcBef>
-              <a:spcAft>
-                <a:spcPts val="0"/>
-              </a:spcAft>
-              <a:buClr>
-                <a:srgbClr val="000000"/>
-              </a:buClr>
-              <a:buSzPts val="1200"/>
-              <a:buFont typeface="Roboto"/>
-              <a:buNone/>
-              <a:defRPr sz="1800">
-                <a:latin typeface="Roboto"/>
-                <a:ea typeface="Roboto"/>
-                <a:cs typeface="Roboto"/>
-                <a:sym typeface="Roboto"/>
-              </a:defRPr>
-            </a:lvl6pPr>
-            <a:lvl7pPr marL="0" lvl="6" indent="0" algn="r">
-              <a:lnSpc>
-                <a:spcPct val="100000"/>
-              </a:lnSpc>
-              <a:spcBef>
-                <a:spcPts val="0"/>
-              </a:spcBef>
-              <a:spcAft>
-                <a:spcPts val="0"/>
-              </a:spcAft>
-              <a:buClr>
-                <a:srgbClr val="000000"/>
-              </a:buClr>
-              <a:buSzPts val="1200"/>
-              <a:buFont typeface="Roboto"/>
-              <a:buNone/>
-              <a:defRPr sz="1800">
-                <a:latin typeface="Roboto"/>
-                <a:ea typeface="Roboto"/>
-                <a:cs typeface="Roboto"/>
-                <a:sym typeface="Roboto"/>
-              </a:defRPr>
-            </a:lvl7pPr>
-            <a:lvl8pPr marL="0" lvl="7" indent="0" algn="r">
-              <a:lnSpc>
-                <a:spcPct val="100000"/>
-              </a:lnSpc>
-              <a:spcBef>
-                <a:spcPts val="0"/>
-              </a:spcBef>
-              <a:spcAft>
-                <a:spcPts val="0"/>
-              </a:spcAft>
-              <a:buClr>
-                <a:srgbClr val="000000"/>
-              </a:buClr>
-              <a:buSzPts val="1200"/>
-              <a:buFont typeface="Roboto"/>
-              <a:buNone/>
-              <a:defRPr sz="1800">
-                <a:latin typeface="Roboto"/>
-                <a:ea typeface="Roboto"/>
-                <a:cs typeface="Roboto"/>
-                <a:sym typeface="Roboto"/>
-              </a:defRPr>
-            </a:lvl8pPr>
-            <a:lvl9pPr marL="0" lvl="8" indent="0" algn="r">
-              <a:lnSpc>
-                <a:spcPct val="100000"/>
-              </a:lnSpc>
-              <a:spcBef>
-                <a:spcPts val="0"/>
-              </a:spcBef>
-              <a:spcAft>
-                <a:spcPts val="0"/>
-              </a:spcAft>
-              <a:buClr>
-                <a:srgbClr val="000000"/>
-              </a:buClr>
-              <a:buSzPts val="1200"/>
-              <a:buFont typeface="Roboto"/>
-              <a:buNone/>
-              <a:defRPr sz="1800">
-                <a:latin typeface="Roboto"/>
-                <a:ea typeface="Roboto"/>
-                <a:cs typeface="Roboto"/>
-                <a:sym typeface="Roboto"/>
-              </a:defRPr>
-            </a:lvl9pPr>
-          </a:lstStyle>
-          <a:p>
-            <a:fld id="{00000000-1234-1234-1234-123412341234}" type="slidenum">
-              <a:rPr lang="en-US" smtClean="0"/>
-              <a:pPr/>
-              <a:t>‹#›</a:t>
-            </a:fld>
-            <a:endParaRPr lang="en-US"/>
-          </a:p>
-        </p:txBody>
-      </p:sp>
-      <p:pic>
-        <p:nvPicPr>
-          <p:cNvPr id="124" name="Google Shape;124;p60"/>
-          <p:cNvPicPr preferRelativeResize="0"/>
-          <p:nvPr/>
-        </p:nvPicPr>
-        <p:blipFill rotWithShape="1">
-          <a:blip r:embed="rId4">
-            <a:alphaModFix amt="8000"/>
-          </a:blip>
-          <a:srcRect r="26339"/>
-          <a:stretch/>
-        </p:blipFill>
-        <p:spPr>
-          <a:xfrm>
-            <a:off x="13106402" y="2848907"/>
-            <a:ext cx="5181599" cy="7438094"/>
-          </a:xfrm>
-          <a:prstGeom prst="rect">
-            <a:avLst/>
-          </a:prstGeom>
-          <a:noFill/>
-          <a:ln>
-            <a:noFill/>
-          </a:ln>
-        </p:spPr>
-      </p:pic>
-      <p:sp>
-        <p:nvSpPr>
-          <p:cNvPr id="125" name="Google Shape;125;p60"/>
-          <p:cNvSpPr txBox="1">
-            <a:spLocks noGrp="1"/>
-          </p:cNvSpPr>
-          <p:nvPr>
-            <p:ph type="body" idx="1"/>
-          </p:nvPr>
-        </p:nvSpPr>
-        <p:spPr>
-          <a:xfrm>
-            <a:off x="2826302" y="7549750"/>
-            <a:ext cx="6188870" cy="595889"/>
-          </a:xfrm>
-          <a:prstGeom prst="rect">
-            <a:avLst/>
-          </a:prstGeom>
-          <a:noFill/>
-          <a:ln>
-            <a:noFill/>
-          </a:ln>
-        </p:spPr>
-        <p:txBody>
-          <a:bodyPr spcFirstLastPara="1" wrap="square" lIns="0" tIns="0" rIns="0" bIns="0" anchor="t" anchorCtr="0">
-            <a:normAutofit/>
-          </a:bodyPr>
-          <a:lstStyle>
-            <a:lvl1pPr marL="685800" lvl="0" indent="-342900" algn="l">
-              <a:lnSpc>
-                <a:spcPct val="90000"/>
-              </a:lnSpc>
-              <a:spcBef>
-                <a:spcPts val="1500"/>
-              </a:spcBef>
-              <a:spcAft>
-                <a:spcPts val="0"/>
-              </a:spcAft>
-              <a:buClr>
-                <a:srgbClr val="2AB77A"/>
-              </a:buClr>
-              <a:buSzPts val="2800"/>
-              <a:buFont typeface="Plus Jakarta Sans"/>
-              <a:buNone/>
-              <a:defRPr sz="4200" b="1">
-                <a:solidFill>
-                  <a:srgbClr val="2AB77A"/>
-                </a:solidFill>
-              </a:defRPr>
-            </a:lvl1pPr>
-            <a:lvl2pPr marL="1371600" lvl="1" indent="-342900" algn="l">
-              <a:lnSpc>
-                <a:spcPct val="90000"/>
-              </a:lnSpc>
-              <a:spcBef>
-                <a:spcPts val="1500"/>
-              </a:spcBef>
-              <a:spcAft>
-                <a:spcPts val="0"/>
-              </a:spcAft>
-              <a:buClr>
-                <a:srgbClr val="000000"/>
-              </a:buClr>
-              <a:buSzPts val="2800"/>
-              <a:buFont typeface="Plus Jakarta Sans"/>
-              <a:buNone/>
-              <a:defRPr sz="4200" b="1"/>
-            </a:lvl2pPr>
-            <a:lvl3pPr marL="2057400" lvl="2" indent="-342900" algn="l">
-              <a:lnSpc>
-                <a:spcPct val="90000"/>
-              </a:lnSpc>
-              <a:spcBef>
-                <a:spcPts val="1500"/>
-              </a:spcBef>
-              <a:spcAft>
-                <a:spcPts val="0"/>
-              </a:spcAft>
-              <a:buClr>
-                <a:srgbClr val="000000"/>
-              </a:buClr>
-              <a:buSzPts val="2800"/>
-              <a:buFont typeface="Plus Jakarta Sans"/>
-              <a:buNone/>
-              <a:defRPr sz="4200" b="1"/>
-            </a:lvl3pPr>
-            <a:lvl4pPr marL="2743200" lvl="3" indent="-342900" algn="l">
-              <a:lnSpc>
-                <a:spcPct val="90000"/>
-              </a:lnSpc>
-              <a:spcBef>
-                <a:spcPts val="1500"/>
-              </a:spcBef>
-              <a:spcAft>
-                <a:spcPts val="0"/>
-              </a:spcAft>
-              <a:buClr>
-                <a:srgbClr val="000000"/>
-              </a:buClr>
-              <a:buSzPts val="2800"/>
-              <a:buFont typeface="Plus Jakarta Sans"/>
-              <a:buNone/>
-              <a:defRPr sz="4200" b="1"/>
-            </a:lvl4pPr>
-            <a:lvl5pPr marL="3429000" lvl="4" indent="-342900" algn="l">
-              <a:lnSpc>
-                <a:spcPct val="90000"/>
-              </a:lnSpc>
-              <a:spcBef>
-                <a:spcPts val="1500"/>
-              </a:spcBef>
-              <a:spcAft>
-                <a:spcPts val="0"/>
-              </a:spcAft>
-              <a:buClr>
-                <a:srgbClr val="000000"/>
-              </a:buClr>
-              <a:buSzPts val="2800"/>
-              <a:buFont typeface="Plus Jakarta Sans"/>
-              <a:buNone/>
-              <a:defRPr sz="4200" b="1"/>
-            </a:lvl5pPr>
-            <a:lvl6pPr marL="4114800" lvl="5" indent="-342900" algn="l">
-              <a:lnSpc>
-                <a:spcPct val="90000"/>
-              </a:lnSpc>
-              <a:spcBef>
-                <a:spcPts val="1500"/>
-              </a:spcBef>
-              <a:spcAft>
-                <a:spcPts val="0"/>
-              </a:spcAft>
-              <a:buClr>
-                <a:srgbClr val="000000"/>
-              </a:buClr>
-              <a:buSzPts val="1800"/>
-              <a:buNone/>
-              <a:defRPr/>
-            </a:lvl6pPr>
-            <a:lvl7pPr marL="4800600" lvl="6" indent="-548640" algn="l">
-              <a:lnSpc>
-                <a:spcPct val="90000"/>
-              </a:lnSpc>
-              <a:spcBef>
-                <a:spcPts val="1500"/>
-              </a:spcBef>
-              <a:spcAft>
-                <a:spcPts val="0"/>
-              </a:spcAft>
-              <a:buClr>
-                <a:srgbClr val="000000"/>
-              </a:buClr>
-              <a:buSzPts val="2160"/>
-              <a:buChar char="+"/>
-              <a:defRPr/>
-            </a:lvl7pPr>
-            <a:lvl8pPr marL="5486400" lvl="7" indent="-548639" algn="l">
-              <a:lnSpc>
-                <a:spcPct val="90000"/>
-              </a:lnSpc>
-              <a:spcBef>
-                <a:spcPts val="1500"/>
-              </a:spcBef>
-              <a:spcAft>
-                <a:spcPts val="0"/>
-              </a:spcAft>
-              <a:buClr>
-                <a:srgbClr val="000000"/>
-              </a:buClr>
-              <a:buSzPts val="2160"/>
-              <a:buChar char="+"/>
-              <a:defRPr/>
-            </a:lvl8pPr>
-            <a:lvl9pPr marL="6172200" lvl="8" indent="-548639" algn="l">
-              <a:lnSpc>
-                <a:spcPct val="90000"/>
-              </a:lnSpc>
-              <a:spcBef>
-                <a:spcPts val="1500"/>
-              </a:spcBef>
-              <a:spcAft>
-                <a:spcPts val="0"/>
-              </a:spcAft>
-              <a:buClr>
-                <a:srgbClr val="000000"/>
-              </a:buClr>
-              <a:buSzPts val="2160"/>
-              <a:buChar char="+"/>
-              <a:defRPr/>
-            </a:lvl9pPr>
-          </a:lstStyle>
-          <a:p>
-            <a:endParaRPr/>
-          </a:p>
-        </p:txBody>
-      </p:sp>
-      <p:sp>
-        <p:nvSpPr>
-          <p:cNvPr id="126" name="Google Shape;126;p60"/>
-          <p:cNvSpPr txBox="1">
-            <a:spLocks noGrp="1"/>
-          </p:cNvSpPr>
-          <p:nvPr>
-            <p:ph type="body" idx="2"/>
-          </p:nvPr>
-        </p:nvSpPr>
-        <p:spPr>
-          <a:xfrm>
-            <a:off x="2826303" y="8259125"/>
-            <a:ext cx="5181600" cy="852461"/>
-          </a:xfrm>
-          <a:prstGeom prst="rect">
-            <a:avLst/>
-          </a:prstGeom>
-          <a:noFill/>
-          <a:ln>
-            <a:noFill/>
-          </a:ln>
-        </p:spPr>
-        <p:txBody>
-          <a:bodyPr spcFirstLastPara="1" wrap="square" lIns="0" tIns="0" rIns="0" bIns="0" anchor="t" anchorCtr="0">
-            <a:normAutofit/>
-          </a:bodyPr>
-          <a:lstStyle>
-            <a:lvl1pPr marL="685800" lvl="0" indent="-342900" algn="l">
-              <a:lnSpc>
-                <a:spcPct val="90000"/>
-              </a:lnSpc>
-              <a:spcBef>
-                <a:spcPts val="1200"/>
-              </a:spcBef>
-              <a:spcAft>
-                <a:spcPts val="0"/>
-              </a:spcAft>
-              <a:buClr>
-                <a:srgbClr val="686868"/>
-              </a:buClr>
-              <a:buSzPts val="1800"/>
-              <a:buFont typeface="Plus Jakarta Sans"/>
-              <a:buNone/>
-              <a:defRPr sz="2700">
-                <a:solidFill>
-                  <a:srgbClr val="686868"/>
-                </a:solidFill>
-              </a:defRPr>
-            </a:lvl1pPr>
-            <a:lvl2pPr marL="1371600" lvl="1" indent="-342900" algn="l">
-              <a:lnSpc>
-                <a:spcPct val="90000"/>
-              </a:lnSpc>
-              <a:spcBef>
-                <a:spcPts val="1500"/>
-              </a:spcBef>
-              <a:spcAft>
-                <a:spcPts val="0"/>
-              </a:spcAft>
-              <a:buClr>
-                <a:srgbClr val="000000"/>
-              </a:buClr>
-              <a:buSzPts val="1800"/>
-              <a:buNone/>
-              <a:defRPr/>
-            </a:lvl2pPr>
-            <a:lvl3pPr marL="2057400" lvl="2" indent="-342900" algn="l">
-              <a:lnSpc>
-                <a:spcPct val="90000"/>
-              </a:lnSpc>
-              <a:spcBef>
-                <a:spcPts val="1500"/>
-              </a:spcBef>
-              <a:spcAft>
-                <a:spcPts val="0"/>
-              </a:spcAft>
-              <a:buClr>
-                <a:srgbClr val="000000"/>
-              </a:buClr>
-              <a:buSzPts val="1800"/>
-              <a:buNone/>
-              <a:defRPr/>
-            </a:lvl3pPr>
-            <a:lvl4pPr marL="2743200" lvl="3" indent="-342900" algn="l">
-              <a:lnSpc>
-                <a:spcPct val="90000"/>
-              </a:lnSpc>
-              <a:spcBef>
-                <a:spcPts val="1500"/>
-              </a:spcBef>
-              <a:spcAft>
-                <a:spcPts val="0"/>
-              </a:spcAft>
-              <a:buClr>
-                <a:srgbClr val="000000"/>
-              </a:buClr>
-              <a:buSzPts val="1800"/>
-              <a:buNone/>
-              <a:defRPr/>
-            </a:lvl4pPr>
-            <a:lvl5pPr marL="3429000" lvl="4" indent="-342900" algn="l">
-              <a:lnSpc>
-                <a:spcPct val="90000"/>
-              </a:lnSpc>
-              <a:spcBef>
-                <a:spcPts val="1500"/>
-              </a:spcBef>
-              <a:spcAft>
-                <a:spcPts val="0"/>
-              </a:spcAft>
-              <a:buClr>
-                <a:srgbClr val="000000"/>
-              </a:buClr>
-              <a:buSzPts val="1800"/>
-              <a:buNone/>
-              <a:defRPr/>
-            </a:lvl5pPr>
-            <a:lvl6pPr marL="4114800" lvl="5" indent="-342900" algn="l">
-              <a:lnSpc>
-                <a:spcPct val="90000"/>
-              </a:lnSpc>
-              <a:spcBef>
-                <a:spcPts val="1500"/>
-              </a:spcBef>
-              <a:spcAft>
-                <a:spcPts val="0"/>
-              </a:spcAft>
-              <a:buClr>
-                <a:srgbClr val="000000"/>
-              </a:buClr>
-              <a:buSzPts val="1800"/>
-              <a:buNone/>
-              <a:defRPr/>
-            </a:lvl6pPr>
-            <a:lvl7pPr marL="4800600" lvl="6" indent="-548640" algn="l">
-              <a:lnSpc>
-                <a:spcPct val="90000"/>
-              </a:lnSpc>
-              <a:spcBef>
-                <a:spcPts val="1500"/>
-              </a:spcBef>
-              <a:spcAft>
-                <a:spcPts val="0"/>
-              </a:spcAft>
-              <a:buClr>
-                <a:srgbClr val="000000"/>
-              </a:buClr>
-              <a:buSzPts val="2160"/>
-              <a:buChar char="+"/>
-              <a:defRPr/>
-            </a:lvl7pPr>
-            <a:lvl8pPr marL="5486400" lvl="7" indent="-548639" algn="l">
-              <a:lnSpc>
-                <a:spcPct val="90000"/>
-              </a:lnSpc>
-              <a:spcBef>
-                <a:spcPts val="1500"/>
-              </a:spcBef>
-              <a:spcAft>
-                <a:spcPts val="0"/>
-              </a:spcAft>
-              <a:buClr>
-                <a:srgbClr val="000000"/>
-              </a:buClr>
-              <a:buSzPts val="2160"/>
-              <a:buChar char="+"/>
-              <a:defRPr/>
-            </a:lvl8pPr>
-            <a:lvl9pPr marL="6172200" lvl="8" indent="-548639" algn="l">
-              <a:lnSpc>
-                <a:spcPct val="90000"/>
-              </a:lnSpc>
-              <a:spcBef>
-                <a:spcPts val="1500"/>
-              </a:spcBef>
-              <a:spcAft>
-                <a:spcPts val="0"/>
-              </a:spcAft>
-              <a:buClr>
-                <a:srgbClr val="000000"/>
-              </a:buClr>
-              <a:buSzPts val="2160"/>
-              <a:buChar char="+"/>
-              <a:defRPr/>
-            </a:lvl9pPr>
-          </a:lstStyle>
-          <a:p>
-            <a:endParaRPr/>
-          </a:p>
-        </p:txBody>
-      </p:sp>
-      <p:sp>
-        <p:nvSpPr>
-          <p:cNvPr id="127" name="Google Shape;127;p60" descr="Add your Logo/Photo from here.&#10;"/>
-          <p:cNvSpPr>
-            <a:spLocks noGrp="1"/>
-          </p:cNvSpPr>
-          <p:nvPr>
-            <p:ph type="pic" idx="3"/>
-          </p:nvPr>
-        </p:nvSpPr>
-        <p:spPr>
-          <a:xfrm>
-            <a:off x="597451" y="7465227"/>
-            <a:ext cx="1998000" cy="1998000"/>
-          </a:xfrm>
-          <a:prstGeom prst="ellipse">
-            <a:avLst/>
-          </a:prstGeom>
-          <a:noFill/>
-          <a:ln w="31750" cap="flat" cmpd="sng">
-            <a:solidFill>
-              <a:srgbClr val="3DF4A1"/>
-            </a:solidFill>
-            <a:prstDash val="solid"/>
-            <a:round/>
-            <a:headEnd type="none" w="sm" len="sm"/>
-            <a:tailEnd type="none" w="sm" len="sm"/>
-          </a:ln>
-        </p:spPr>
-      </p:sp>
-      <p:sp>
-        <p:nvSpPr>
-          <p:cNvPr id="128" name="Google Shape;128;p60"/>
-          <p:cNvSpPr txBox="1">
-            <a:spLocks noGrp="1"/>
-          </p:cNvSpPr>
-          <p:nvPr>
-            <p:ph type="body" idx="4"/>
-          </p:nvPr>
-        </p:nvSpPr>
-        <p:spPr>
-          <a:xfrm>
-            <a:off x="597452" y="3717053"/>
-            <a:ext cx="11975549" cy="1759407"/>
-          </a:xfrm>
-          <a:prstGeom prst="rect">
-            <a:avLst/>
-          </a:prstGeom>
-          <a:noFill/>
-          <a:ln>
-            <a:noFill/>
-          </a:ln>
-        </p:spPr>
-        <p:txBody>
-          <a:bodyPr spcFirstLastPara="1" wrap="square" lIns="0" tIns="0" rIns="0" bIns="0" anchor="t" anchorCtr="0">
-            <a:noAutofit/>
-          </a:bodyPr>
-          <a:lstStyle>
-            <a:lvl1pPr marL="685800" lvl="0" indent="-342900" algn="l">
-              <a:lnSpc>
-                <a:spcPct val="90000"/>
-              </a:lnSpc>
-              <a:spcBef>
-                <a:spcPts val="1500"/>
-              </a:spcBef>
-              <a:spcAft>
-                <a:spcPts val="0"/>
-              </a:spcAft>
-              <a:buClr>
-                <a:srgbClr val="2AB77A"/>
-              </a:buClr>
-              <a:buSzPts val="4800"/>
-              <a:buFont typeface="Plus Jakarta Sans"/>
-              <a:buNone/>
-              <a:defRPr sz="7200" b="1">
-                <a:solidFill>
-                  <a:srgbClr val="2AB77A"/>
-                </a:solidFill>
-                <a:latin typeface="Plus Jakarta Sans"/>
-                <a:ea typeface="Plus Jakarta Sans"/>
-                <a:cs typeface="Plus Jakarta Sans"/>
-                <a:sym typeface="Plus Jakarta Sans"/>
-              </a:defRPr>
-            </a:lvl1pPr>
-            <a:lvl2pPr marL="1371600" lvl="1" indent="-342900" algn="l">
-              <a:lnSpc>
-                <a:spcPct val="90000"/>
-              </a:lnSpc>
-              <a:spcBef>
-                <a:spcPts val="1500"/>
-              </a:spcBef>
-              <a:spcAft>
-                <a:spcPts val="0"/>
-              </a:spcAft>
-              <a:buClr>
-                <a:srgbClr val="000000"/>
-              </a:buClr>
-              <a:buSzPts val="4800"/>
-              <a:buFont typeface="Plus Jakarta Sans"/>
-              <a:buNone/>
-              <a:defRPr sz="7200" b="1">
-                <a:latin typeface="Plus Jakarta Sans"/>
-                <a:ea typeface="Plus Jakarta Sans"/>
-                <a:cs typeface="Plus Jakarta Sans"/>
-                <a:sym typeface="Plus Jakarta Sans"/>
-              </a:defRPr>
-            </a:lvl2pPr>
-            <a:lvl3pPr marL="2057400" lvl="2" indent="-342900" algn="l">
-              <a:lnSpc>
-                <a:spcPct val="90000"/>
-              </a:lnSpc>
-              <a:spcBef>
-                <a:spcPts val="1500"/>
-              </a:spcBef>
-              <a:spcAft>
-                <a:spcPts val="0"/>
-              </a:spcAft>
-              <a:buClr>
-                <a:srgbClr val="000000"/>
-              </a:buClr>
-              <a:buSzPts val="4800"/>
-              <a:buFont typeface="Plus Jakarta Sans"/>
-              <a:buNone/>
-              <a:defRPr sz="7200" b="1">
-                <a:latin typeface="Plus Jakarta Sans"/>
-                <a:ea typeface="Plus Jakarta Sans"/>
-                <a:cs typeface="Plus Jakarta Sans"/>
-                <a:sym typeface="Plus Jakarta Sans"/>
-              </a:defRPr>
-            </a:lvl3pPr>
-            <a:lvl4pPr marL="2743200" lvl="3" indent="-342900" algn="l">
-              <a:lnSpc>
-                <a:spcPct val="90000"/>
-              </a:lnSpc>
-              <a:spcBef>
-                <a:spcPts val="1500"/>
-              </a:spcBef>
-              <a:spcAft>
-                <a:spcPts val="0"/>
-              </a:spcAft>
-              <a:buClr>
-                <a:srgbClr val="000000"/>
-              </a:buClr>
-              <a:buSzPts val="4800"/>
-              <a:buFont typeface="Plus Jakarta Sans"/>
-              <a:buNone/>
-              <a:defRPr sz="7200" b="1">
-                <a:latin typeface="Plus Jakarta Sans"/>
-                <a:ea typeface="Plus Jakarta Sans"/>
-                <a:cs typeface="Plus Jakarta Sans"/>
-                <a:sym typeface="Plus Jakarta Sans"/>
-              </a:defRPr>
-            </a:lvl4pPr>
-            <a:lvl5pPr marL="3429000" lvl="4" indent="-342900" algn="l">
-              <a:lnSpc>
-                <a:spcPct val="90000"/>
-              </a:lnSpc>
-              <a:spcBef>
-                <a:spcPts val="1500"/>
-              </a:spcBef>
-              <a:spcAft>
-                <a:spcPts val="0"/>
-              </a:spcAft>
-              <a:buClr>
-                <a:srgbClr val="000000"/>
-              </a:buClr>
-              <a:buSzPts val="4800"/>
-              <a:buFont typeface="Plus Jakarta Sans"/>
-              <a:buNone/>
-              <a:defRPr sz="7200" b="1">
-                <a:latin typeface="Plus Jakarta Sans"/>
-                <a:ea typeface="Plus Jakarta Sans"/>
-                <a:cs typeface="Plus Jakarta Sans"/>
-                <a:sym typeface="Plus Jakarta Sans"/>
-              </a:defRPr>
-            </a:lvl5pPr>
-            <a:lvl6pPr marL="4114800" lvl="5" indent="-342900" algn="l">
-              <a:lnSpc>
-                <a:spcPct val="90000"/>
-              </a:lnSpc>
-              <a:spcBef>
-                <a:spcPts val="1500"/>
-              </a:spcBef>
-              <a:spcAft>
-                <a:spcPts val="0"/>
-              </a:spcAft>
-              <a:buClr>
-                <a:srgbClr val="000000"/>
-              </a:buClr>
-              <a:buSzPts val="1800"/>
-              <a:buNone/>
-              <a:defRPr/>
-            </a:lvl6pPr>
-            <a:lvl7pPr marL="4800600" lvl="6" indent="-548640" algn="l">
-              <a:lnSpc>
-                <a:spcPct val="90000"/>
-              </a:lnSpc>
-              <a:spcBef>
-                <a:spcPts val="1500"/>
-              </a:spcBef>
-              <a:spcAft>
-                <a:spcPts val="0"/>
-              </a:spcAft>
-              <a:buClr>
-                <a:srgbClr val="000000"/>
-              </a:buClr>
-              <a:buSzPts val="2160"/>
-              <a:buChar char="+"/>
-              <a:defRPr/>
-            </a:lvl7pPr>
-            <a:lvl8pPr marL="5486400" lvl="7" indent="-548639" algn="l">
-              <a:lnSpc>
-                <a:spcPct val="90000"/>
-              </a:lnSpc>
-              <a:spcBef>
-                <a:spcPts val="1500"/>
-              </a:spcBef>
-              <a:spcAft>
-                <a:spcPts val="0"/>
-              </a:spcAft>
-              <a:buClr>
-                <a:srgbClr val="000000"/>
-              </a:buClr>
-              <a:buSzPts val="2160"/>
-              <a:buChar char="+"/>
-              <a:defRPr/>
-            </a:lvl8pPr>
-            <a:lvl9pPr marL="6172200" lvl="8" indent="-548639" algn="l">
-              <a:lnSpc>
-                <a:spcPct val="90000"/>
-              </a:lnSpc>
-              <a:spcBef>
-                <a:spcPts val="1500"/>
-              </a:spcBef>
-              <a:spcAft>
-                <a:spcPts val="0"/>
-              </a:spcAft>
-              <a:buClr>
-                <a:srgbClr val="000000"/>
-              </a:buClr>
-              <a:buSzPts val="2160"/>
-              <a:buChar char="+"/>
-              <a:defRPr/>
-            </a:lvl9pPr>
-          </a:lstStyle>
-          <a:p>
-            <a:endParaRPr/>
-          </a:p>
-        </p:txBody>
-      </p:sp>
-    </p:spTree>
-    <p:extLst>
-      <p:ext uri="{BB962C8B-B14F-4D97-AF65-F5344CB8AC3E}">
-        <p14:creationId xmlns:p14="http://schemas.microsoft.com/office/powerpoint/2010/main" val="3119570464"/>
-      </p:ext>
-    </p:extLst>
   </p:cSld>
   <p:clrMapOvr>
     <a:masterClrMapping/>
@@ -3165,7 +2008,7 @@
             <a:fld id="{1D8BD707-D9CF-40AE-B4C6-C98DA3205C09}" type="datetimeFigureOut">
               <a:rPr lang="en-US" smtClean="0"/>
               <a:pPr/>
-              <a:t>1/4/2024</a:t>
+              <a:t>1/21/2024</a:t>
             </a:fld>
             <a:endParaRPr lang="en-US"/>
           </a:p>
@@ -3407,7 +2250,7 @@
             <a:fld id="{1D8BD707-D9CF-40AE-B4C6-C98DA3205C09}" type="datetimeFigureOut">
               <a:rPr lang="en-US" smtClean="0"/>
               <a:pPr/>
-              <a:t>1/4/2024</a:t>
+              <a:t>1/21/2024</a:t>
             </a:fld>
             <a:endParaRPr lang="en-US"/>
           </a:p>
@@ -3689,7 +2532,7 @@
             <a:fld id="{1D8BD707-D9CF-40AE-B4C6-C98DA3205C09}" type="datetimeFigureOut">
               <a:rPr lang="en-US" smtClean="0"/>
               <a:pPr/>
-              <a:t>1/4/2024</a:t>
+              <a:t>1/21/2024</a:t>
             </a:fld>
             <a:endParaRPr lang="en-US"/>
           </a:p>
@@ -4105,7 +2948,7 @@
             <a:fld id="{1D8BD707-D9CF-40AE-B4C6-C98DA3205C09}" type="datetimeFigureOut">
               <a:rPr lang="en-US" smtClean="0"/>
               <a:pPr/>
-              <a:t>1/4/2024</a:t>
+              <a:t>1/21/2024</a:t>
             </a:fld>
             <a:endParaRPr lang="en-US"/>
           </a:p>
@@ -4219,7 +3062,7 @@
             <a:fld id="{1D8BD707-D9CF-40AE-B4C6-C98DA3205C09}" type="datetimeFigureOut">
               <a:rPr lang="en-US" smtClean="0"/>
               <a:pPr/>
-              <a:t>1/4/2024</a:t>
+              <a:t>1/21/2024</a:t>
             </a:fld>
             <a:endParaRPr lang="en-US"/>
           </a:p>
@@ -4311,7 +3154,7 @@
             <a:fld id="{1D8BD707-D9CF-40AE-B4C6-C98DA3205C09}" type="datetimeFigureOut">
               <a:rPr lang="en-US" smtClean="0"/>
               <a:pPr/>
-              <a:t>1/4/2024</a:t>
+              <a:t>1/21/2024</a:t>
             </a:fld>
             <a:endParaRPr lang="en-US"/>
           </a:p>
@@ -4583,7 +3426,7 @@
             <a:fld id="{1D8BD707-D9CF-40AE-B4C6-C98DA3205C09}" type="datetimeFigureOut">
               <a:rPr lang="en-US" smtClean="0"/>
               <a:pPr/>
-              <a:t>1/4/2024</a:t>
+              <a:t>1/21/2024</a:t>
             </a:fld>
             <a:endParaRPr lang="en-US"/>
           </a:p>
@@ -4832,7 +3675,7 @@
             <a:fld id="{1D8BD707-D9CF-40AE-B4C6-C98DA3205C09}" type="datetimeFigureOut">
               <a:rPr lang="en-US" smtClean="0"/>
               <a:pPr/>
-              <a:t>1/4/2024</a:t>
+              <a:t>1/21/2024</a:t>
             </a:fld>
             <a:endParaRPr lang="en-US"/>
           </a:p>
@@ -5045,7 +3888,7 @@
             <a:fld id="{1D8BD707-D9CF-40AE-B4C6-C98DA3205C09}" type="datetimeFigureOut">
               <a:rPr lang="en-US" smtClean="0"/>
               <a:pPr/>
-              <a:t>1/4/2024</a:t>
+              <a:t>1/21/2024</a:t>
             </a:fld>
             <a:endParaRPr lang="en-US"/>
           </a:p>
@@ -5145,7 +3988,6 @@
     <p:sldLayoutId id="2147483657" r:id="rId9"/>
     <p:sldLayoutId id="2147483658" r:id="rId10"/>
     <p:sldLayoutId id="2147483659" r:id="rId11"/>
-    <p:sldLayoutId id="2147483660" r:id="rId12"/>
   </p:sldLayoutIdLst>
   <p:txStyles>
     <p:titleStyle>
@@ -5405,7 +4247,13 @@
   <p:cSld>
     <p:spTree>
       <p:nvGrpSpPr>
-        <p:cNvPr id="1" name="Shape 255"/>
+        <p:cNvPr id="1" name="">
+          <a:extLst>
+            <a:ext uri="{FF2B5EF4-FFF2-40B4-BE49-F238E27FC236}">
+              <a16:creationId xmlns:a16="http://schemas.microsoft.com/office/drawing/2014/main" id="{7CEA7579-66F2-19CC-4831-682C471ED5D5}"/>
+            </a:ext>
+          </a:extLst>
+        </p:cNvPr>
         <p:cNvGrpSpPr/>
         <p:nvPr/>
       </p:nvGrpSpPr>
@@ -5417,181 +4265,181 @@
           <a:chExt cx="0" cy="0"/>
         </a:xfrm>
       </p:grpSpPr>
-      <p:sp>
-        <p:nvSpPr>
-          <p:cNvPr id="256" name="Google Shape;256;p2"/>
-          <p:cNvSpPr txBox="1">
-            <a:spLocks noGrp="1"/>
-          </p:cNvSpPr>
-          <p:nvPr>
-            <p:ph type="body" idx="1"/>
-          </p:nvPr>
-        </p:nvSpPr>
-        <p:spPr>
-          <a:xfrm>
-            <a:off x="2826302" y="7549750"/>
-            <a:ext cx="6188870" cy="595889"/>
-          </a:xfrm>
-          <a:prstGeom prst="rect">
-            <a:avLst/>
-          </a:prstGeom>
-          <a:noFill/>
-          <a:ln>
-            <a:noFill/>
-          </a:ln>
-        </p:spPr>
-        <p:txBody>
-          <a:bodyPr spcFirstLastPara="1" vert="horz" wrap="square" lIns="0" tIns="0" rIns="0" bIns="0" rtlCol="0" anchor="t" anchorCtr="0">
-            <a:normAutofit/>
-          </a:bodyPr>
-          <a:lstStyle/>
-          <a:p>
-            <a:pPr marL="0" indent="0">
-              <a:spcBef>
-                <a:spcPts val="0"/>
-              </a:spcBef>
-            </a:pPr>
-            <a:r>
-              <a:rPr lang="en-US" dirty="0"/>
-              <a:t>George Mount</a:t>
-            </a:r>
-            <a:endParaRPr dirty="0"/>
-          </a:p>
-        </p:txBody>
-      </p:sp>
-      <p:sp>
-        <p:nvSpPr>
-          <p:cNvPr id="257" name="Google Shape;257;p2"/>
-          <p:cNvSpPr txBox="1">
-            <a:spLocks noGrp="1"/>
-          </p:cNvSpPr>
-          <p:nvPr>
-            <p:ph type="body" idx="2"/>
-          </p:nvPr>
-        </p:nvSpPr>
-        <p:spPr>
-          <a:xfrm>
-            <a:off x="2826303" y="8259125"/>
-            <a:ext cx="5181600" cy="852461"/>
-          </a:xfrm>
-          <a:prstGeom prst="rect">
-            <a:avLst/>
-          </a:prstGeom>
-          <a:noFill/>
-          <a:ln>
-            <a:noFill/>
-          </a:ln>
-        </p:spPr>
-        <p:txBody>
-          <a:bodyPr spcFirstLastPara="1" vert="horz" wrap="square" lIns="0" tIns="0" rIns="0" bIns="0" rtlCol="0" anchor="t" anchorCtr="0">
-            <a:normAutofit/>
-          </a:bodyPr>
-          <a:lstStyle/>
-          <a:p>
-            <a:pPr marL="0" indent="0">
-              <a:spcBef>
-                <a:spcPts val="0"/>
-              </a:spcBef>
-            </a:pPr>
-            <a:r>
-              <a:rPr lang="en-US" dirty="0"/>
-              <a:t>Founder, Stringfest Analytics</a:t>
-            </a:r>
-          </a:p>
-        </p:txBody>
-      </p:sp>
       <p:pic>
         <p:nvPicPr>
-          <p:cNvPr id="3" name="Picture Placeholder 2" descr="A person smiling for the camera&#10;&#10;Description automatically generated with medium confidence">
+          <p:cNvPr id="5" name="Picture 4">
             <a:extLst>
               <a:ext uri="{FF2B5EF4-FFF2-40B4-BE49-F238E27FC236}">
-                <a16:creationId xmlns:a16="http://schemas.microsoft.com/office/drawing/2014/main" id="{3B39E374-89C6-7C20-E336-70D0DFDF5A46}"/>
+                <a16:creationId xmlns:a16="http://schemas.microsoft.com/office/drawing/2014/main" id="{D5991D40-9BE7-F274-E27A-B3C49A08EE37}"/>
               </a:ext>
             </a:extLst>
           </p:cNvPr>
           <p:cNvPicPr>
-            <a:picLocks noGrp="1" noChangeAspect="1"/>
+            <a:picLocks noChangeAspect="1"/>
           </p:cNvPicPr>
-          <p:nvPr>
-            <p:ph type="pic" idx="3"/>
-          </p:nvPr>
+          <p:nvPr/>
         </p:nvPicPr>
         <p:blipFill>
-          <a:blip r:embed="rId3">
-            <a:extLst>
-              <a:ext uri="{28A0092B-C50C-407E-A947-70E740481C1C}">
-                <a14:useLocalDpi xmlns:a14="http://schemas.microsoft.com/office/drawing/2010/main" val="0"/>
-              </a:ext>
-            </a:extLst>
-          </a:blip>
-          <a:srcRect l="16774" r="16774"/>
-          <a:stretch>
-            <a:fillRect/>
-          </a:stretch>
+          <a:blip r:embed="rId2"/>
+          <a:srcRect/>
+          <a:stretch/>
         </p:blipFill>
         <p:spPr>
           <a:xfrm>
-            <a:off x="596900" y="7466013"/>
-            <a:ext cx="1998663" cy="1997075"/>
-          </a:xfrm>
-          <a:prstGeom prst="ellipse">
-            <a:avLst/>
-          </a:prstGeom>
-          <a:noFill/>
-          <a:ln w="31750" cap="flat" cmpd="sng">
-            <a:solidFill>
-              <a:srgbClr val="3DF4A1"/>
-            </a:solidFill>
-            <a:prstDash val="solid"/>
-            <a:round/>
-            <a:headEnd type="none" w="sm" len="sm"/>
-            <a:tailEnd type="none" w="sm" len="sm"/>
-          </a:ln>
-        </p:spPr>
-      </p:pic>
-      <p:sp>
-        <p:nvSpPr>
-          <p:cNvPr id="259" name="Google Shape;259;p2"/>
-          <p:cNvSpPr txBox="1">
-            <a:spLocks noGrp="1"/>
-          </p:cNvSpPr>
-          <p:nvPr>
-            <p:ph type="body" idx="4"/>
-          </p:nvPr>
-        </p:nvSpPr>
-        <p:spPr>
-          <a:xfrm>
-            <a:off x="597452" y="3717053"/>
-            <a:ext cx="11975549" cy="1759407"/>
+            <a:off x="0" y="0"/>
+            <a:ext cx="18288000" cy="10287000"/>
           </a:xfrm>
           <a:prstGeom prst="rect">
             <a:avLst/>
           </a:prstGeom>
-          <a:noFill/>
-          <a:ln>
-            <a:noFill/>
-          </a:ln>
-        </p:spPr>
-        <p:txBody>
-          <a:bodyPr spcFirstLastPara="1" vert="horz" wrap="square" lIns="0" tIns="0" rIns="0" bIns="0" rtlCol="0" anchor="t" anchorCtr="0">
-            <a:noAutofit/>
+        </p:spPr>
+      </p:pic>
+      <p:sp>
+        <p:nvSpPr>
+          <p:cNvPr id="2" name="Title 1">
+            <a:extLst>
+              <a:ext uri="{FF2B5EF4-FFF2-40B4-BE49-F238E27FC236}">
+                <a16:creationId xmlns:a16="http://schemas.microsoft.com/office/drawing/2014/main" id="{4444369E-591E-FCF9-5FD4-3A16F1F4D428}"/>
+              </a:ext>
+            </a:extLst>
+          </p:cNvPr>
+          <p:cNvSpPr>
+            <a:spLocks noGrp="1"/>
+          </p:cNvSpPr>
+          <p:nvPr>
+            <p:ph type="ctrTitle"/>
+          </p:nvPr>
+        </p:nvSpPr>
+        <p:spPr>
+          <a:xfrm>
+            <a:off x="2286000" y="2598656"/>
+            <a:ext cx="13716000" cy="3581400"/>
+          </a:xfrm>
+        </p:spPr>
+        <p:txBody>
+          <a:bodyPr>
+            <a:normAutofit/>
           </a:bodyPr>
           <a:lstStyle/>
           <a:p>
-            <a:pPr marL="0" indent="0">
+            <a:r>
+              <a:rPr lang="en-US" sz="9900" b="1" dirty="0">
+                <a:solidFill>
+                  <a:srgbClr val="241F62"/>
+                </a:solidFill>
+                <a:latin typeface="+mn-lt"/>
+              </a:rPr>
+              <a:t>Python in Excel: First Steps</a:t>
+            </a:r>
+            <a:endParaRPr lang="en-BG" sz="9900" b="1" dirty="0">
+              <a:solidFill>
+                <a:srgbClr val="241F62"/>
+              </a:solidFill>
+              <a:latin typeface="+mn-lt"/>
+            </a:endParaRPr>
+          </a:p>
+        </p:txBody>
+      </p:sp>
+      <p:pic>
+        <p:nvPicPr>
+          <p:cNvPr id="7" name="Picture 6">
+            <a:extLst>
+              <a:ext uri="{FF2B5EF4-FFF2-40B4-BE49-F238E27FC236}">
+                <a16:creationId xmlns:a16="http://schemas.microsoft.com/office/drawing/2014/main" id="{1F670806-6CF3-0F69-595C-C20518905208}"/>
+              </a:ext>
+            </a:extLst>
+          </p:cNvPr>
+          <p:cNvPicPr>
+            <a:picLocks noChangeAspect="1"/>
+          </p:cNvPicPr>
+          <p:nvPr/>
+        </p:nvPicPr>
+        <p:blipFill>
+          <a:blip r:embed="rId3"/>
+          <a:srcRect/>
+          <a:stretch/>
+        </p:blipFill>
+        <p:spPr>
+          <a:xfrm>
+            <a:off x="8153400" y="8430867"/>
+            <a:ext cx="1981200" cy="1257300"/>
+          </a:xfrm>
+          <a:prstGeom prst="rect">
+            <a:avLst/>
+          </a:prstGeom>
+        </p:spPr>
+      </p:pic>
+      <p:sp>
+        <p:nvSpPr>
+          <p:cNvPr id="3" name="Title 1">
+            <a:extLst>
+              <a:ext uri="{FF2B5EF4-FFF2-40B4-BE49-F238E27FC236}">
+                <a16:creationId xmlns:a16="http://schemas.microsoft.com/office/drawing/2014/main" id="{AF6A1447-9773-5E1C-9103-9230DA4CB7EA}"/>
+              </a:ext>
+            </a:extLst>
+          </p:cNvPr>
+          <p:cNvSpPr txBox="1">
+            <a:spLocks/>
+          </p:cNvSpPr>
+          <p:nvPr/>
+        </p:nvSpPr>
+        <p:spPr>
+          <a:xfrm>
+            <a:off x="13454742" y="548859"/>
+            <a:ext cx="4082145" cy="945771"/>
+          </a:xfrm>
+          <a:prstGeom prst="rect">
+            <a:avLst/>
+          </a:prstGeom>
+        </p:spPr>
+        <p:txBody>
+          <a:bodyPr vert="horz" lIns="137160" tIns="68580" rIns="137160" bIns="68580" rtlCol="0" anchor="ctr">
+            <a:normAutofit/>
+          </a:bodyPr>
+          <a:lstStyle>
+            <a:lvl1pPr algn="l" defTabSz="914400" rtl="0" eaLnBrk="1" latinLnBrk="0" hangingPunct="1">
+              <a:lnSpc>
+                <a:spcPct val="90000"/>
+              </a:lnSpc>
               <a:spcBef>
-                <a:spcPts val="0"/>
+                <a:spcPct val="0"/>
               </a:spcBef>
-            </a:pPr>
-            <a:r>
-              <a:rPr lang="en-US" dirty="0"/>
-              <a:t>Python in Excel: First Steps</a:t>
-            </a:r>
-            <a:endParaRPr dirty="0"/>
+              <a:buNone/>
+              <a:defRPr sz="4800" b="1" kern="1200">
+                <a:solidFill>
+                  <a:schemeClr val="bg1"/>
+                </a:solidFill>
+                <a:latin typeface="+mn-lt"/>
+                <a:ea typeface="+mj-ea"/>
+                <a:cs typeface="+mj-cs"/>
+              </a:defRPr>
+            </a:lvl1pPr>
+          </a:lstStyle>
+          <a:p>
+            <a:r>
+              <a:rPr lang="en-GB" sz="4200" dirty="0">
+                <a:solidFill>
+                  <a:srgbClr val="241F62"/>
+                </a:solidFill>
+                <a:latin typeface="+mj-lt"/>
+              </a:rPr>
+              <a:t>George Mount</a:t>
+            </a:r>
+            <a:endParaRPr lang="en-BG" sz="4200" dirty="0">
+              <a:solidFill>
+                <a:srgbClr val="241F62"/>
+              </a:solidFill>
+              <a:latin typeface="+mj-lt"/>
+            </a:endParaRPr>
           </a:p>
         </p:txBody>
       </p:sp>
     </p:spTree>
+    <p:extLst>
+      <p:ext uri="{BB962C8B-B14F-4D97-AF65-F5344CB8AC3E}">
+        <p14:creationId xmlns:p14="http://schemas.microsoft.com/office/powerpoint/2010/main" val="3482696125"/>
+      </p:ext>
+    </p:extLst>
   </p:cSld>
   <p:clrMapOvr>
     <a:masterClrMapping/>
@@ -7317,192 +6165,10 @@
       </p:grpSpPr>
       <p:pic>
         <p:nvPicPr>
-          <p:cNvPr id="10" name="Picture 9"/>
-          <p:cNvPicPr>
-            <a:picLocks noChangeAspect="1"/>
-          </p:cNvPicPr>
-          <p:nvPr/>
-        </p:nvPicPr>
-        <p:blipFill rotWithShape="1">
-          <a:blip r:embed="rId2">
-            <a:extLst>
-              <a:ext uri="{28A0092B-C50C-407E-A947-70E740481C1C}">
-                <a14:useLocalDpi xmlns:a14="http://schemas.microsoft.com/office/drawing/2010/main" val="0"/>
-              </a:ext>
-            </a:extLst>
-          </a:blip>
-          <a:srcRect l="50728" t="56371"/>
-          <a:stretch/>
-        </p:blipFill>
-        <p:spPr>
-          <a:xfrm>
-            <a:off x="12204691" y="3316148"/>
-            <a:ext cx="6083309" cy="6970854"/>
-          </a:xfrm>
-          <a:prstGeom prst="rect">
-            <a:avLst/>
-          </a:prstGeom>
-        </p:spPr>
-      </p:pic>
-      <p:pic>
-        <p:nvPicPr>
-          <p:cNvPr id="4" name="Picture 3"/>
-          <p:cNvPicPr>
-            <a:picLocks noChangeAspect="1"/>
-          </p:cNvPicPr>
-          <p:nvPr/>
-        </p:nvPicPr>
-        <p:blipFill>
-          <a:blip r:embed="rId3">
-            <a:extLst>
-              <a:ext uri="{28A0092B-C50C-407E-A947-70E740481C1C}">
-                <a14:useLocalDpi xmlns:a14="http://schemas.microsoft.com/office/drawing/2010/main" val="0"/>
-              </a:ext>
-            </a:extLst>
-          </a:blip>
-          <a:stretch>
-            <a:fillRect/>
-          </a:stretch>
-        </p:blipFill>
-        <p:spPr>
-          <a:xfrm>
-            <a:off x="-807744" y="-3724155"/>
-            <a:ext cx="15257208" cy="11189825"/>
-          </a:xfrm>
-          <a:prstGeom prst="rect">
-            <a:avLst/>
-          </a:prstGeom>
-        </p:spPr>
-      </p:pic>
-      <p:sp>
-        <p:nvSpPr>
-          <p:cNvPr id="11" name="TextBox 10"/>
-          <p:cNvSpPr txBox="1"/>
-          <p:nvPr/>
-        </p:nvSpPr>
-        <p:spPr>
-          <a:xfrm>
-            <a:off x="486137" y="2531318"/>
-            <a:ext cx="11979797" cy="5078313"/>
-          </a:xfrm>
-          <a:prstGeom prst="rect">
-            <a:avLst/>
-          </a:prstGeom>
-          <a:noFill/>
-        </p:spPr>
-        <p:txBody>
-          <a:bodyPr wrap="square" rtlCol="0">
-            <a:spAutoFit/>
-          </a:bodyPr>
-          <a:lstStyle/>
-          <a:p>
-            <a:r>
-              <a:rPr lang="en-US" sz="5400" b="1" dirty="0">
-                <a:solidFill>
-                  <a:srgbClr val="CF3338"/>
-                </a:solidFill>
-                <a:latin typeface="Pragmatica" panose="020B0403040502020204" pitchFamily="34" charset="0"/>
-              </a:rPr>
-              <a:t>THANK YOU</a:t>
-            </a:r>
-          </a:p>
-          <a:p>
-            <a:endParaRPr lang="en-US" sz="5400" b="1" dirty="0">
-              <a:solidFill>
-                <a:srgbClr val="CF3338"/>
-              </a:solidFill>
-              <a:latin typeface="Pragmatica" panose="020B0403040502020204" pitchFamily="34" charset="0"/>
-            </a:endParaRPr>
-          </a:p>
-          <a:p>
-            <a:pPr marL="571500" indent="-571500">
-              <a:buFont typeface="Arial" panose="020B0604020202020204" pitchFamily="34" charset="0"/>
-              <a:buChar char="•"/>
-            </a:pPr>
-            <a:r>
-              <a:rPr lang="en-US" sz="3600" dirty="0">
-                <a:solidFill>
-                  <a:srgbClr val="CF3338"/>
-                </a:solidFill>
-                <a:latin typeface="Pragmatica" panose="020B0403040502020204"/>
-                <a:sym typeface="Consolas"/>
-              </a:rPr>
-              <a:t>Linkedin.com/in/gjmount</a:t>
-            </a:r>
-          </a:p>
-          <a:p>
-            <a:pPr marL="571500" indent="-571500">
-              <a:buFont typeface="Arial" panose="020B0604020202020204" pitchFamily="34" charset="0"/>
-              <a:buChar char="•"/>
-            </a:pPr>
-            <a:r>
-              <a:rPr lang="en-US" sz="3600" dirty="0">
-                <a:solidFill>
-                  <a:srgbClr val="CF3338"/>
-                </a:solidFill>
-                <a:latin typeface="Pragmatica" panose="020B0403040502020204"/>
-                <a:sym typeface="Consolas"/>
-              </a:rPr>
-              <a:t>Twitter: @gjmount</a:t>
-            </a:r>
-          </a:p>
-          <a:p>
-            <a:pPr marL="571500" indent="-571500">
-              <a:buFont typeface="Arial" panose="020B0604020202020204" pitchFamily="34" charset="0"/>
-              <a:buChar char="•"/>
-            </a:pPr>
-            <a:r>
-              <a:rPr lang="en-US" sz="3600" dirty="0">
-                <a:solidFill>
-                  <a:srgbClr val="CF3338"/>
-                </a:solidFill>
-                <a:latin typeface="Pragmatica" panose="020B0403040502020204"/>
-                <a:sym typeface="Consolas"/>
-                <a:hlinkClick r:id="rId4">
-                  <a:extLst>
-                    <a:ext uri="{A12FA001-AC4F-418D-AE19-62706E023703}">
-                      <ahyp:hlinkClr xmlns:ahyp="http://schemas.microsoft.com/office/drawing/2018/hyperlinkcolor" val="tx"/>
-                    </a:ext>
-                  </a:extLst>
-                </a:hlinkClick>
-              </a:rPr>
-              <a:t>george@stringfestanalytics.com</a:t>
-            </a:r>
-            <a:r>
-              <a:rPr lang="en-US" sz="3600" dirty="0">
-                <a:solidFill>
-                  <a:srgbClr val="CF3338"/>
-                </a:solidFill>
-                <a:latin typeface="Pragmatica" panose="020B0403040502020204"/>
-                <a:sym typeface="Consolas"/>
-              </a:rPr>
-              <a:t> </a:t>
-            </a:r>
-          </a:p>
-          <a:p>
-            <a:endParaRPr lang="en-US" sz="5400" b="1" dirty="0">
-              <a:solidFill>
-                <a:srgbClr val="CF3338"/>
-              </a:solidFill>
-              <a:latin typeface="Pragmatica" panose="020B0403040502020204" pitchFamily="34" charset="0"/>
-            </a:endParaRPr>
-          </a:p>
-          <a:p>
-            <a:endParaRPr lang="en-US" sz="5400" b="1" dirty="0">
-              <a:solidFill>
-                <a:srgbClr val="CF3338"/>
-              </a:solidFill>
-              <a:latin typeface="Pragmatica" panose="020B0403040502020204" pitchFamily="34" charset="0"/>
-            </a:endParaRPr>
-          </a:p>
-        </p:txBody>
-      </p:sp>
-      <p:pic>
-        <p:nvPicPr>
           <p:cNvPr id="5" name="Picture 4">
             <a:extLst>
               <a:ext uri="{FF2B5EF4-FFF2-40B4-BE49-F238E27FC236}">
-                <a16:creationId xmlns:a16="http://schemas.microsoft.com/office/drawing/2014/main" id="{54A06221-5316-4BCF-9FDA-BDB95FF4A778}"/>
+                <a16:creationId xmlns:a16="http://schemas.microsoft.com/office/drawing/2014/main" id="{58EB9D66-9CB4-B474-27D6-F594F19E2A76}"/>
               </a:ext>
             </a:extLst>
           </p:cNvPr>
@@ -7512,7 +6178,480 @@
           <p:nvPr/>
         </p:nvPicPr>
         <p:blipFill>
-          <a:blip r:embed="rId5">
+          <a:blip r:embed="rId2"/>
+          <a:srcRect/>
+          <a:stretch/>
+        </p:blipFill>
+        <p:spPr>
+          <a:xfrm>
+            <a:off x="0" y="0"/>
+            <a:ext cx="18288000" cy="10287000"/>
+          </a:xfrm>
+          <a:prstGeom prst="rect">
+            <a:avLst/>
+          </a:prstGeom>
+        </p:spPr>
+      </p:pic>
+      <p:sp>
+        <p:nvSpPr>
+          <p:cNvPr id="2" name="Title 1">
+            <a:extLst>
+              <a:ext uri="{FF2B5EF4-FFF2-40B4-BE49-F238E27FC236}">
+                <a16:creationId xmlns:a16="http://schemas.microsoft.com/office/drawing/2014/main" id="{6F578B23-3522-A45E-113D-CFC55209E2C5}"/>
+              </a:ext>
+            </a:extLst>
+          </p:cNvPr>
+          <p:cNvSpPr>
+            <a:spLocks noGrp="1"/>
+          </p:cNvSpPr>
+          <p:nvPr>
+            <p:ph type="ctrTitle"/>
+          </p:nvPr>
+        </p:nvSpPr>
+        <p:spPr>
+          <a:xfrm>
+            <a:off x="2286000" y="2598656"/>
+            <a:ext cx="13716000" cy="3581400"/>
+          </a:xfrm>
+        </p:spPr>
+        <p:txBody>
+          <a:bodyPr>
+            <a:normAutofit/>
+          </a:bodyPr>
+          <a:lstStyle/>
+          <a:p>
+            <a:r>
+              <a:rPr lang="en-BG" sz="9900" b="1" dirty="0">
+                <a:solidFill>
+                  <a:srgbClr val="241F62"/>
+                </a:solidFill>
+                <a:latin typeface="+mn-lt"/>
+              </a:rPr>
+              <a:t>Thank you!</a:t>
+            </a:r>
+          </a:p>
+        </p:txBody>
+      </p:sp>
+      <p:pic>
+        <p:nvPicPr>
+          <p:cNvPr id="7" name="Picture 6" descr="A black and white sign with white text&#10;&#10;Description automatically generated">
+            <a:extLst>
+              <a:ext uri="{FF2B5EF4-FFF2-40B4-BE49-F238E27FC236}">
+                <a16:creationId xmlns:a16="http://schemas.microsoft.com/office/drawing/2014/main" id="{CADADD3B-A58B-45A3-D5DF-D99E4EB05D2C}"/>
+              </a:ext>
+            </a:extLst>
+          </p:cNvPr>
+          <p:cNvPicPr>
+            <a:picLocks noChangeAspect="1"/>
+          </p:cNvPicPr>
+          <p:nvPr/>
+        </p:nvPicPr>
+        <p:blipFill>
+          <a:blip r:embed="rId3"/>
+          <a:stretch>
+            <a:fillRect/>
+          </a:stretch>
+        </p:blipFill>
+        <p:spPr>
+          <a:xfrm>
+            <a:off x="3118754" y="1034024"/>
+            <a:ext cx="1981200" cy="1257300"/>
+          </a:xfrm>
+          <a:prstGeom prst="rect">
+            <a:avLst/>
+          </a:prstGeom>
+        </p:spPr>
+      </p:pic>
+      <p:cxnSp>
+        <p:nvCxnSpPr>
+          <p:cNvPr id="4" name="Straight Connector 3">
+            <a:extLst>
+              <a:ext uri="{FF2B5EF4-FFF2-40B4-BE49-F238E27FC236}">
+                <a16:creationId xmlns:a16="http://schemas.microsoft.com/office/drawing/2014/main" id="{186E2CA1-16F0-B4E0-64B9-88EB622CDE69}"/>
+              </a:ext>
+            </a:extLst>
+          </p:cNvPr>
+          <p:cNvCxnSpPr>
+            <a:cxnSpLocks/>
+          </p:cNvCxnSpPr>
+          <p:nvPr/>
+        </p:nvCxnSpPr>
+        <p:spPr>
+          <a:xfrm>
+            <a:off x="3118755" y="8784773"/>
+            <a:ext cx="15169245" cy="0"/>
+          </a:xfrm>
+          <a:prstGeom prst="line">
+            <a:avLst/>
+          </a:prstGeom>
+          <a:ln>
+            <a:solidFill>
+              <a:srgbClr val="241F62"/>
+            </a:solidFill>
+          </a:ln>
+        </p:spPr>
+        <p:style>
+          <a:lnRef idx="1">
+            <a:schemeClr val="accent3"/>
+          </a:lnRef>
+          <a:fillRef idx="0">
+            <a:schemeClr val="accent3"/>
+          </a:fillRef>
+          <a:effectRef idx="0">
+            <a:schemeClr val="accent3"/>
+          </a:effectRef>
+          <a:fontRef idx="minor">
+            <a:schemeClr val="tx1"/>
+          </a:fontRef>
+        </p:style>
+      </p:cxnSp>
+      <p:sp>
+        <p:nvSpPr>
+          <p:cNvPr id="8" name="Title 1">
+            <a:extLst>
+              <a:ext uri="{FF2B5EF4-FFF2-40B4-BE49-F238E27FC236}">
+                <a16:creationId xmlns:a16="http://schemas.microsoft.com/office/drawing/2014/main" id="{1A8985E1-8F90-F6B0-F7EC-CDDE7A733DF7}"/>
+              </a:ext>
+            </a:extLst>
+          </p:cNvPr>
+          <p:cNvSpPr txBox="1">
+            <a:spLocks/>
+          </p:cNvSpPr>
+          <p:nvPr/>
+        </p:nvSpPr>
+        <p:spPr>
+          <a:xfrm>
+            <a:off x="3118757" y="6730501"/>
+            <a:ext cx="8204753" cy="1002020"/>
+          </a:xfrm>
+          <a:prstGeom prst="rect">
+            <a:avLst/>
+          </a:prstGeom>
+        </p:spPr>
+        <p:txBody>
+          <a:bodyPr vert="horz" lIns="137160" tIns="68580" rIns="137160" bIns="68580" rtlCol="0" anchor="b">
+            <a:normAutofit/>
+          </a:bodyPr>
+          <a:lstStyle>
+            <a:lvl1pPr algn="ctr" defTabSz="914400" rtl="0" eaLnBrk="1" latinLnBrk="0" hangingPunct="1">
+              <a:lnSpc>
+                <a:spcPct val="90000"/>
+              </a:lnSpc>
+              <a:spcBef>
+                <a:spcPct val="0"/>
+              </a:spcBef>
+              <a:buNone/>
+              <a:defRPr sz="6600" b="1" kern="1200">
+                <a:solidFill>
+                  <a:schemeClr val="bg1"/>
+                </a:solidFill>
+                <a:latin typeface="+mn-lt"/>
+                <a:ea typeface="+mj-ea"/>
+                <a:cs typeface="+mj-cs"/>
+              </a:defRPr>
+            </a:lvl1pPr>
+          </a:lstStyle>
+          <a:p>
+            <a:pPr algn="l"/>
+            <a:r>
+              <a:rPr lang="en-GB" sz="5400" dirty="0">
+                <a:solidFill>
+                  <a:srgbClr val="241F62"/>
+                </a:solidFill>
+              </a:rPr>
+              <a:t>George Mount</a:t>
+            </a:r>
+            <a:endParaRPr lang="en-BG" sz="5400" dirty="0">
+              <a:solidFill>
+                <a:srgbClr val="241F62"/>
+              </a:solidFill>
+            </a:endParaRPr>
+          </a:p>
+        </p:txBody>
+      </p:sp>
+      <p:sp>
+        <p:nvSpPr>
+          <p:cNvPr id="9" name="Title 1">
+            <a:extLst>
+              <a:ext uri="{FF2B5EF4-FFF2-40B4-BE49-F238E27FC236}">
+                <a16:creationId xmlns:a16="http://schemas.microsoft.com/office/drawing/2014/main" id="{98DE1D4A-D586-7074-E50D-A5B56F7BCC15}"/>
+              </a:ext>
+            </a:extLst>
+          </p:cNvPr>
+          <p:cNvSpPr txBox="1">
+            <a:spLocks/>
+          </p:cNvSpPr>
+          <p:nvPr/>
+        </p:nvSpPr>
+        <p:spPr>
+          <a:xfrm>
+            <a:off x="3118756" y="7732518"/>
+            <a:ext cx="8204753" cy="945771"/>
+          </a:xfrm>
+          <a:prstGeom prst="rect">
+            <a:avLst/>
+          </a:prstGeom>
+        </p:spPr>
+        <p:txBody>
+          <a:bodyPr vert="horz" lIns="137160" tIns="68580" rIns="137160" bIns="68580" rtlCol="0" anchor="ctr">
+            <a:normAutofit/>
+          </a:bodyPr>
+          <a:lstStyle>
+            <a:lvl1pPr algn="l" defTabSz="914400" rtl="0" eaLnBrk="1" latinLnBrk="0" hangingPunct="1">
+              <a:lnSpc>
+                <a:spcPct val="90000"/>
+              </a:lnSpc>
+              <a:spcBef>
+                <a:spcPct val="0"/>
+              </a:spcBef>
+              <a:buNone/>
+              <a:defRPr sz="4800" b="1" kern="1200">
+                <a:solidFill>
+                  <a:schemeClr val="bg1"/>
+                </a:solidFill>
+                <a:latin typeface="+mn-lt"/>
+                <a:ea typeface="+mj-ea"/>
+                <a:cs typeface="+mj-cs"/>
+              </a:defRPr>
+            </a:lvl1pPr>
+          </a:lstStyle>
+          <a:p>
+            <a:r>
+              <a:rPr lang="en-GB" sz="4200" dirty="0">
+                <a:solidFill>
+                  <a:srgbClr val="241F62"/>
+                </a:solidFill>
+                <a:latin typeface="+mj-lt"/>
+              </a:rPr>
+              <a:t>Owner, </a:t>
+            </a:r>
+            <a:r>
+              <a:rPr lang="en-GB" sz="4200" dirty="0" err="1">
+                <a:solidFill>
+                  <a:srgbClr val="241F62"/>
+                </a:solidFill>
+                <a:latin typeface="+mj-lt"/>
+              </a:rPr>
+              <a:t>Stringfest</a:t>
+            </a:r>
+            <a:r>
+              <a:rPr lang="en-GB" sz="4200" dirty="0">
+                <a:solidFill>
+                  <a:srgbClr val="241F62"/>
+                </a:solidFill>
+                <a:latin typeface="+mj-lt"/>
+              </a:rPr>
+              <a:t> Analytics</a:t>
+            </a:r>
+            <a:endParaRPr lang="en-BG" sz="4200" dirty="0">
+              <a:solidFill>
+                <a:srgbClr val="241F62"/>
+              </a:solidFill>
+              <a:latin typeface="+mj-lt"/>
+            </a:endParaRPr>
+          </a:p>
+        </p:txBody>
+      </p:sp>
+      <p:sp>
+        <p:nvSpPr>
+          <p:cNvPr id="10" name="Title 1">
+            <a:extLst>
+              <a:ext uri="{FF2B5EF4-FFF2-40B4-BE49-F238E27FC236}">
+                <a16:creationId xmlns:a16="http://schemas.microsoft.com/office/drawing/2014/main" id="{561C295B-FF22-B70D-472D-005A6DA36038}"/>
+              </a:ext>
+            </a:extLst>
+          </p:cNvPr>
+          <p:cNvSpPr txBox="1">
+            <a:spLocks/>
+          </p:cNvSpPr>
+          <p:nvPr/>
+        </p:nvSpPr>
+        <p:spPr>
+          <a:xfrm>
+            <a:off x="3599975" y="9087789"/>
+            <a:ext cx="6368147" cy="945771"/>
+          </a:xfrm>
+          <a:prstGeom prst="rect">
+            <a:avLst/>
+          </a:prstGeom>
+        </p:spPr>
+        <p:txBody>
+          <a:bodyPr vert="horz" lIns="137160" tIns="68580" rIns="137160" bIns="68580" rtlCol="0" anchor="ctr">
+            <a:normAutofit/>
+          </a:bodyPr>
+          <a:lstStyle>
+            <a:lvl1pPr algn="l" defTabSz="914400" rtl="0" eaLnBrk="1" latinLnBrk="0" hangingPunct="1">
+              <a:lnSpc>
+                <a:spcPct val="90000"/>
+              </a:lnSpc>
+              <a:spcBef>
+                <a:spcPct val="0"/>
+              </a:spcBef>
+              <a:buNone/>
+              <a:defRPr sz="4800" b="1" kern="1200">
+                <a:solidFill>
+                  <a:schemeClr val="bg1"/>
+                </a:solidFill>
+                <a:latin typeface="+mn-lt"/>
+                <a:ea typeface="+mj-ea"/>
+                <a:cs typeface="+mj-cs"/>
+              </a:defRPr>
+            </a:lvl1pPr>
+          </a:lstStyle>
+          <a:p>
+            <a:r>
+              <a:rPr lang="en-GB" sz="3200" dirty="0">
+                <a:solidFill>
+                  <a:srgbClr val="241F62"/>
+                </a:solidFill>
+              </a:rPr>
+              <a:t>stringfestanalytics.com</a:t>
+            </a:r>
+            <a:endParaRPr lang="en-BG" sz="3200" dirty="0">
+              <a:solidFill>
+                <a:srgbClr val="241F62"/>
+              </a:solidFill>
+            </a:endParaRPr>
+          </a:p>
+        </p:txBody>
+      </p:sp>
+      <p:sp>
+        <p:nvSpPr>
+          <p:cNvPr id="11" name="Title 1">
+            <a:extLst>
+              <a:ext uri="{FF2B5EF4-FFF2-40B4-BE49-F238E27FC236}">
+                <a16:creationId xmlns:a16="http://schemas.microsoft.com/office/drawing/2014/main" id="{38758F10-53E3-C630-0422-E4789496DCF5}"/>
+              </a:ext>
+            </a:extLst>
+          </p:cNvPr>
+          <p:cNvSpPr txBox="1">
+            <a:spLocks/>
+          </p:cNvSpPr>
+          <p:nvPr/>
+        </p:nvSpPr>
+        <p:spPr>
+          <a:xfrm>
+            <a:off x="8554808" y="9087789"/>
+            <a:ext cx="3372150" cy="945771"/>
+          </a:xfrm>
+          <a:prstGeom prst="rect">
+            <a:avLst/>
+          </a:prstGeom>
+        </p:spPr>
+        <p:txBody>
+          <a:bodyPr vert="horz" lIns="137160" tIns="68580" rIns="137160" bIns="68580" rtlCol="0" anchor="ctr">
+            <a:normAutofit/>
+          </a:bodyPr>
+          <a:lstStyle>
+            <a:lvl1pPr algn="l" defTabSz="914400" rtl="0" eaLnBrk="1" latinLnBrk="0" hangingPunct="1">
+              <a:lnSpc>
+                <a:spcPct val="90000"/>
+              </a:lnSpc>
+              <a:spcBef>
+                <a:spcPct val="0"/>
+              </a:spcBef>
+              <a:buNone/>
+              <a:defRPr sz="4800" b="1" kern="1200">
+                <a:solidFill>
+                  <a:schemeClr val="bg1"/>
+                </a:solidFill>
+                <a:latin typeface="+mn-lt"/>
+                <a:ea typeface="+mj-ea"/>
+                <a:cs typeface="+mj-cs"/>
+              </a:defRPr>
+            </a:lvl1pPr>
+          </a:lstStyle>
+          <a:p>
+            <a:r>
+              <a:rPr lang="en-GB" sz="3600" dirty="0">
+                <a:solidFill>
+                  <a:srgbClr val="241F62"/>
+                </a:solidFill>
+              </a:rPr>
+              <a:t>George Mount</a:t>
+            </a:r>
+            <a:endParaRPr lang="en-BG" sz="3600" dirty="0">
+              <a:solidFill>
+                <a:srgbClr val="241F62"/>
+              </a:solidFill>
+            </a:endParaRPr>
+          </a:p>
+        </p:txBody>
+      </p:sp>
+      <p:pic>
+        <p:nvPicPr>
+          <p:cNvPr id="13" name="Picture 12">
+            <a:extLst>
+              <a:ext uri="{FF2B5EF4-FFF2-40B4-BE49-F238E27FC236}">
+                <a16:creationId xmlns:a16="http://schemas.microsoft.com/office/drawing/2014/main" id="{564B3460-4BA9-3488-F2B8-387A09E6D3DD}"/>
+              </a:ext>
+            </a:extLst>
+          </p:cNvPr>
+          <p:cNvPicPr>
+            <a:picLocks noChangeAspect="1"/>
+          </p:cNvPicPr>
+          <p:nvPr/>
+        </p:nvPicPr>
+        <p:blipFill>
+          <a:blip r:embed="rId4"/>
+          <a:srcRect/>
+          <a:stretch/>
+        </p:blipFill>
+        <p:spPr>
+          <a:xfrm>
+            <a:off x="8073587" y="9379700"/>
+            <a:ext cx="361950" cy="361950"/>
+          </a:xfrm>
+          <a:prstGeom prst="rect">
+            <a:avLst/>
+          </a:prstGeom>
+        </p:spPr>
+      </p:pic>
+      <p:pic>
+        <p:nvPicPr>
+          <p:cNvPr id="15" name="Picture 14">
+            <a:extLst>
+              <a:ext uri="{FF2B5EF4-FFF2-40B4-BE49-F238E27FC236}">
+                <a16:creationId xmlns:a16="http://schemas.microsoft.com/office/drawing/2014/main" id="{669ED92D-10C9-7EA6-C719-CC63A8906E16}"/>
+              </a:ext>
+            </a:extLst>
+          </p:cNvPr>
+          <p:cNvPicPr>
+            <a:picLocks noChangeAspect="1"/>
+          </p:cNvPicPr>
+          <p:nvPr/>
+        </p:nvPicPr>
+        <p:blipFill>
+          <a:blip r:embed="rId5"/>
+          <a:srcRect/>
+          <a:stretch/>
+        </p:blipFill>
+        <p:spPr>
+          <a:xfrm>
+            <a:off x="3118754" y="9354912"/>
+            <a:ext cx="361950" cy="361950"/>
+          </a:xfrm>
+          <a:prstGeom prst="rect">
+            <a:avLst/>
+          </a:prstGeom>
+        </p:spPr>
+      </p:pic>
+      <p:pic>
+        <p:nvPicPr>
+          <p:cNvPr id="17" name="Picture 16">
+            <a:extLst>
+              <a:ext uri="{FF2B5EF4-FFF2-40B4-BE49-F238E27FC236}">
+                <a16:creationId xmlns:a16="http://schemas.microsoft.com/office/drawing/2014/main" id="{E3437C69-0BD3-C2F3-E6CD-963C3E9AE530}"/>
+              </a:ext>
+            </a:extLst>
+          </p:cNvPr>
+          <p:cNvPicPr>
+            <a:picLocks noChangeAspect="1"/>
+          </p:cNvPicPr>
+          <p:nvPr/>
+        </p:nvPicPr>
+        <p:blipFill>
+          <a:blip r:embed="rId6">
             <a:extLst>
               <a:ext uri="{28A0092B-C50C-407E-A947-70E740481C1C}">
                 <a14:useLocalDpi xmlns:a14="http://schemas.microsoft.com/office/drawing/2010/main" val="0"/>
@@ -7524,18 +6663,81 @@
         </p:blipFill>
         <p:spPr>
           <a:xfrm>
-            <a:off x="12204691" y="3317239"/>
-            <a:ext cx="6083309" cy="6968672"/>
+            <a:off x="12264561" y="9354912"/>
+            <a:ext cx="361950" cy="361950"/>
           </a:xfrm>
           <a:prstGeom prst="rect">
             <a:avLst/>
           </a:prstGeom>
         </p:spPr>
       </p:pic>
+      <p:sp>
+        <p:nvSpPr>
+          <p:cNvPr id="18" name="Title 1">
+            <a:extLst>
+              <a:ext uri="{FF2B5EF4-FFF2-40B4-BE49-F238E27FC236}">
+                <a16:creationId xmlns:a16="http://schemas.microsoft.com/office/drawing/2014/main" id="{73C888AA-12C8-1F73-16FF-2F8C1826D5F5}"/>
+              </a:ext>
+            </a:extLst>
+          </p:cNvPr>
+          <p:cNvSpPr txBox="1">
+            <a:spLocks/>
+          </p:cNvSpPr>
+          <p:nvPr/>
+        </p:nvSpPr>
+        <p:spPr>
+          <a:xfrm>
+            <a:off x="12755658" y="9087789"/>
+            <a:ext cx="3372150" cy="945771"/>
+          </a:xfrm>
+          <a:prstGeom prst="rect">
+            <a:avLst/>
+          </a:prstGeom>
+        </p:spPr>
+        <p:txBody>
+          <a:bodyPr vert="horz" lIns="137160" tIns="68580" rIns="137160" bIns="68580" rtlCol="0" anchor="ctr">
+            <a:normAutofit/>
+          </a:bodyPr>
+          <a:lstStyle>
+            <a:lvl1pPr algn="l" defTabSz="914400" rtl="0" eaLnBrk="1" latinLnBrk="0" hangingPunct="1">
+              <a:lnSpc>
+                <a:spcPct val="90000"/>
+              </a:lnSpc>
+              <a:spcBef>
+                <a:spcPct val="0"/>
+              </a:spcBef>
+              <a:buNone/>
+              <a:defRPr sz="4800" b="1" kern="1200">
+                <a:solidFill>
+                  <a:schemeClr val="bg1"/>
+                </a:solidFill>
+                <a:latin typeface="+mn-lt"/>
+                <a:ea typeface="+mj-ea"/>
+                <a:cs typeface="+mj-cs"/>
+              </a:defRPr>
+            </a:lvl1pPr>
+          </a:lstStyle>
+          <a:p>
+            <a:r>
+              <a:rPr lang="en-GB" sz="3600" dirty="0">
+                <a:solidFill>
+                  <a:srgbClr val="241F62"/>
+                </a:solidFill>
+              </a:rPr>
+              <a:t>@gjmount</a:t>
+            </a:r>
+            <a:endParaRPr lang="en-BG" sz="3600" dirty="0">
+              <a:solidFill>
+                <a:srgbClr val="241F62"/>
+              </a:solidFill>
+            </a:endParaRPr>
+          </a:p>
+        </p:txBody>
+      </p:sp>
     </p:spTree>
     <p:extLst>
       <p:ext uri="{BB962C8B-B14F-4D97-AF65-F5344CB8AC3E}">
-        <p14:creationId xmlns:p14="http://schemas.microsoft.com/office/powerpoint/2010/main" val="75588663"/>
+        <p14:creationId xmlns:p14="http://schemas.microsoft.com/office/powerpoint/2010/main" val="3981852199"/>
       </p:ext>
     </p:extLst>
   </p:cSld>

--- a/xlgs-python-in-excel-first-steps.pptx
+++ b/xlgs-python-in-excel-first-steps.pptx
@@ -11,7 +11,7 @@
     <p:sldId id="266" r:id="rId2"/>
     <p:sldId id="358" r:id="rId3"/>
     <p:sldId id="258" r:id="rId4"/>
-    <p:sldId id="362" r:id="rId5"/>
+    <p:sldId id="424" r:id="rId5"/>
     <p:sldId id="404" r:id="rId6"/>
     <p:sldId id="407" r:id="rId7"/>
     <p:sldId id="415" r:id="rId8"/>
@@ -252,7 +252,7 @@
           <a:p>
             <a:fld id="{17A98A70-FA8C-4354-959C-C70678AC9BCF}" type="datetimeFigureOut">
               <a:rPr lang="en-US" smtClean="0"/>
-              <a:t>1/21/2024</a:t>
+              <a:t>2/5/2024</a:t>
             </a:fld>
             <a:endParaRPr lang="en-US"/>
           </a:p>
@@ -1503,7 +1503,7 @@
             <a:fld id="{1D8BD707-D9CF-40AE-B4C6-C98DA3205C09}" type="datetimeFigureOut">
               <a:rPr lang="en-US" smtClean="0"/>
               <a:pPr/>
-              <a:t>1/21/2024</a:t>
+              <a:t>2/5/2024</a:t>
             </a:fld>
             <a:endParaRPr lang="en-US"/>
           </a:p>
@@ -1668,7 +1668,7 @@
             <a:fld id="{1D8BD707-D9CF-40AE-B4C6-C98DA3205C09}" type="datetimeFigureOut">
               <a:rPr lang="en-US" smtClean="0"/>
               <a:pPr/>
-              <a:t>1/21/2024</a:t>
+              <a:t>2/5/2024</a:t>
             </a:fld>
             <a:endParaRPr lang="en-US"/>
           </a:p>
@@ -1843,7 +1843,7 @@
             <a:fld id="{1D8BD707-D9CF-40AE-B4C6-C98DA3205C09}" type="datetimeFigureOut">
               <a:rPr lang="en-US" smtClean="0"/>
               <a:pPr/>
-              <a:t>1/21/2024</a:t>
+              <a:t>2/5/2024</a:t>
             </a:fld>
             <a:endParaRPr lang="en-US"/>
           </a:p>
@@ -2008,7 +2008,7 @@
             <a:fld id="{1D8BD707-D9CF-40AE-B4C6-C98DA3205C09}" type="datetimeFigureOut">
               <a:rPr lang="en-US" smtClean="0"/>
               <a:pPr/>
-              <a:t>1/21/2024</a:t>
+              <a:t>2/5/2024</a:t>
             </a:fld>
             <a:endParaRPr lang="en-US"/>
           </a:p>
@@ -2250,7 +2250,7 @@
             <a:fld id="{1D8BD707-D9CF-40AE-B4C6-C98DA3205C09}" type="datetimeFigureOut">
               <a:rPr lang="en-US" smtClean="0"/>
               <a:pPr/>
-              <a:t>1/21/2024</a:t>
+              <a:t>2/5/2024</a:t>
             </a:fld>
             <a:endParaRPr lang="en-US"/>
           </a:p>
@@ -2532,7 +2532,7 @@
             <a:fld id="{1D8BD707-D9CF-40AE-B4C6-C98DA3205C09}" type="datetimeFigureOut">
               <a:rPr lang="en-US" smtClean="0"/>
               <a:pPr/>
-              <a:t>1/21/2024</a:t>
+              <a:t>2/5/2024</a:t>
             </a:fld>
             <a:endParaRPr lang="en-US"/>
           </a:p>
@@ -2948,7 +2948,7 @@
             <a:fld id="{1D8BD707-D9CF-40AE-B4C6-C98DA3205C09}" type="datetimeFigureOut">
               <a:rPr lang="en-US" smtClean="0"/>
               <a:pPr/>
-              <a:t>1/21/2024</a:t>
+              <a:t>2/5/2024</a:t>
             </a:fld>
             <a:endParaRPr lang="en-US"/>
           </a:p>
@@ -3062,7 +3062,7 @@
             <a:fld id="{1D8BD707-D9CF-40AE-B4C6-C98DA3205C09}" type="datetimeFigureOut">
               <a:rPr lang="en-US" smtClean="0"/>
               <a:pPr/>
-              <a:t>1/21/2024</a:t>
+              <a:t>2/5/2024</a:t>
             </a:fld>
             <a:endParaRPr lang="en-US"/>
           </a:p>
@@ -3154,7 +3154,7 @@
             <a:fld id="{1D8BD707-D9CF-40AE-B4C6-C98DA3205C09}" type="datetimeFigureOut">
               <a:rPr lang="en-US" smtClean="0"/>
               <a:pPr/>
-              <a:t>1/21/2024</a:t>
+              <a:t>2/5/2024</a:t>
             </a:fld>
             <a:endParaRPr lang="en-US"/>
           </a:p>
@@ -3426,7 +3426,7 @@
             <a:fld id="{1D8BD707-D9CF-40AE-B4C6-C98DA3205C09}" type="datetimeFigureOut">
               <a:rPr lang="en-US" smtClean="0"/>
               <a:pPr/>
-              <a:t>1/21/2024</a:t>
+              <a:t>2/5/2024</a:t>
             </a:fld>
             <a:endParaRPr lang="en-US"/>
           </a:p>
@@ -3675,7 +3675,7 @@
             <a:fld id="{1D8BD707-D9CF-40AE-B4C6-C98DA3205C09}" type="datetimeFigureOut">
               <a:rPr lang="en-US" smtClean="0"/>
               <a:pPr/>
-              <a:t>1/21/2024</a:t>
+              <a:t>2/5/2024</a:t>
             </a:fld>
             <a:endParaRPr lang="en-US"/>
           </a:p>
@@ -3888,7 +3888,7 @@
             <a:fld id="{1D8BD707-D9CF-40AE-B4C6-C98DA3205C09}" type="datetimeFigureOut">
               <a:rPr lang="en-US" smtClean="0"/>
               <a:pPr/>
-              <a:t>1/21/2024</a:t>
+              <a:t>2/5/2024</a:t>
             </a:fld>
             <a:endParaRPr lang="en-US"/>
           </a:p>
@@ -7280,7 +7280,7 @@
         <p:spPr>
           <a:xfrm>
             <a:off x="520861" y="3191948"/>
-            <a:ext cx="14393120" cy="2677656"/>
+            <a:ext cx="14393120" cy="3046988"/>
           </a:xfrm>
           <a:prstGeom prst="rect">
             <a:avLst/>
@@ -7293,75 +7293,45 @@
           </a:bodyPr>
           <a:lstStyle/>
           <a:p>
-            <a:pPr marL="685800" indent="-685800">
+            <a:pPr>
               <a:buClr>
                 <a:srgbClr val="CF3338"/>
               </a:buClr>
-              <a:buFont typeface="Arial" panose="020B0604020202020204" pitchFamily="34" charset="0"/>
-              <a:buChar char="•"/>
             </a:pPr>
             <a:r>
-              <a:rPr lang="en-US" sz="4200" dirty="0">
+              <a:rPr lang="en-US" sz="9600" dirty="0">
                 <a:solidFill>
                   <a:srgbClr val="707070"/>
                 </a:solidFill>
                 <a:latin typeface="Pragmatica" panose="020B0403040502020204" pitchFamily="34" charset="0"/>
               </a:rPr>
-              <a:t>Each section is a folder</a:t>
-            </a:r>
-          </a:p>
-          <a:p>
-            <a:pPr marL="685800" indent="-685800">
+              <a:t>Download the resources:</a:t>
+            </a:r>
+          </a:p>
+          <a:p>
+            <a:pPr>
               <a:buClr>
                 <a:srgbClr val="CF3338"/>
               </a:buClr>
-              <a:buFont typeface="Arial" panose="020B0604020202020204" pitchFamily="34" charset="0"/>
-              <a:buChar char="•"/>
             </a:pPr>
             <a:r>
-              <a:rPr lang="en-US" sz="4200" dirty="0">
+              <a:rPr lang="en-US" sz="9600" dirty="0">
+                <a:solidFill>
+                  <a:srgbClr val="707070"/>
+                </a:solidFill>
+                <a:latin typeface="Pragmatica" panose="020B0403040502020204" pitchFamily="34" charset="0"/>
+                <a:hlinkClick r:id="rId2"/>
+              </a:rPr>
+              <a:t>https://swiy.co/pie</a:t>
+            </a:r>
+            <a:r>
+              <a:rPr lang="en-US" sz="9600" dirty="0">
                 <a:solidFill>
                   <a:srgbClr val="707070"/>
                 </a:solidFill>
                 <a:latin typeface="Pragmatica" panose="020B0403040502020204" pitchFamily="34" charset="0"/>
               </a:rPr>
-              <a:t>Follow demos with me</a:t>
-            </a:r>
-          </a:p>
-          <a:p>
-            <a:pPr marL="1143000" lvl="1" indent="-685800">
-              <a:buClr>
-                <a:srgbClr val="CF3338"/>
-              </a:buClr>
-              <a:buFont typeface="Arial" panose="020B0604020202020204" pitchFamily="34" charset="0"/>
-              <a:buChar char="•"/>
-            </a:pPr>
-            <a:r>
-              <a:rPr lang="en-US" sz="4200" dirty="0">
-                <a:solidFill>
-                  <a:srgbClr val="707070"/>
-                </a:solidFill>
-                <a:latin typeface="Pragmatica" panose="020B0403040502020204" pitchFamily="34" charset="0"/>
-              </a:rPr>
-              <a:t>Solutions also available</a:t>
-            </a:r>
-          </a:p>
-          <a:p>
-            <a:pPr marL="685800" indent="-685800">
-              <a:buClr>
-                <a:srgbClr val="CF3338"/>
-              </a:buClr>
-              <a:buFont typeface="Arial" panose="020B0604020202020204" pitchFamily="34" charset="0"/>
-              <a:buChar char="•"/>
-            </a:pPr>
-            <a:r>
-              <a:rPr lang="en-US" sz="4200" dirty="0">
-                <a:solidFill>
-                  <a:srgbClr val="707070"/>
-                </a:solidFill>
-                <a:latin typeface="Pragmatica" panose="020B0403040502020204" pitchFamily="34" charset="0"/>
-              </a:rPr>
-              <a:t>Exercise folders with solutions for each section</a:t>
+              <a:t>  </a:t>
             </a:r>
           </a:p>
         </p:txBody>
@@ -7381,7 +7351,7 @@
           <p:nvPr/>
         </p:nvPicPr>
         <p:blipFill>
-          <a:blip r:embed="rId2">
+          <a:blip r:embed="rId3">
             <a:extLst>
               <a:ext uri="{28A0092B-C50C-407E-A947-70E740481C1C}">
                 <a14:useLocalDpi xmlns:a14="http://schemas.microsoft.com/office/drawing/2010/main" val="0"/>
@@ -7405,7 +7375,7 @@
     </p:spTree>
     <p:extLst>
       <p:ext uri="{BB962C8B-B14F-4D97-AF65-F5344CB8AC3E}">
-        <p14:creationId xmlns:p14="http://schemas.microsoft.com/office/powerpoint/2010/main" val="2731138700"/>
+        <p14:creationId xmlns:p14="http://schemas.microsoft.com/office/powerpoint/2010/main" val="2101481658"/>
       </p:ext>
     </p:extLst>
   </p:cSld>
